--- a/Daily/sprint9/Sprint9_Review.pptx
+++ b/Daily/sprint9/Sprint9_Review.pptx
@@ -5,7 +5,7 @@
     <p:sldMasterId id="2147483648" r:id="rId1"/>
   </p:sldMasterIdLst>
   <p:notesMasterIdLst>
-    <p:notesMasterId r:id="rId11"/>
+    <p:notesMasterId r:id="rId12"/>
   </p:notesMasterIdLst>
   <p:sldIdLst>
     <p:sldId id="256" r:id="rId2"/>
@@ -16,7 +16,8 @@
     <p:sldId id="277" r:id="rId7"/>
     <p:sldId id="273" r:id="rId8"/>
     <p:sldId id="274" r:id="rId9"/>
-    <p:sldId id="262" r:id="rId10"/>
+    <p:sldId id="278" r:id="rId10"/>
+    <p:sldId id="262" r:id="rId11"/>
   </p:sldIdLst>
   <p:sldSz cx="12192000" cy="6858000"/>
   <p:notesSz cx="6858000" cy="9144000"/>
@@ -849,7 +850,7 @@
           <a:p>
             <a:fld id="{9CDC8AA7-8D38-46C0-86D3-87BDB8133F92}" type="datetimeFigureOut">
               <a:rPr lang="de-DE" smtClean="0"/>
-              <a:t>25.06.2020</a:t>
+              <a:t>26.06.2020</a:t>
             </a:fld>
             <a:endParaRPr lang="de-DE"/>
           </a:p>
@@ -1007,7 +1008,7 @@
           <a:p>
             <a:fld id="{10D08ABD-147D-43D8-AD0E-C56070E2C69D}" type="slidenum">
               <a:rPr lang="de-DE" smtClean="0"/>
-              <a:t>‹N°›</a:t>
+              <a:t>‹#›</a:t>
             </a:fld>
             <a:endParaRPr lang="de-DE"/>
           </a:p>
@@ -1491,7 +1492,7 @@
           <p:cNvPr id="2" name="Titel 1">
             <a:extLst>
               <a:ext uri="{FF2B5EF4-FFF2-40B4-BE49-F238E27FC236}">
-                <a16:creationId xmlns:a16="http://schemas.microsoft.com/office/drawing/2014/main" xmlns="" id="{701EABE2-81DB-4A57-87BD-BAC9B81DA953}"/>
+                <a16:creationId xmlns:a16="http://schemas.microsoft.com/office/drawing/2014/main" id="{701EABE2-81DB-4A57-87BD-BAC9B81DA953}"/>
               </a:ext>
             </a:extLst>
           </p:cNvPr>
@@ -1528,7 +1529,7 @@
           <p:cNvPr id="3" name="Untertitel 2">
             <a:extLst>
               <a:ext uri="{FF2B5EF4-FFF2-40B4-BE49-F238E27FC236}">
-                <a16:creationId xmlns:a16="http://schemas.microsoft.com/office/drawing/2014/main" xmlns="" id="{9E44B19B-9953-4462-B98C-34C559DFD4BA}"/>
+                <a16:creationId xmlns:a16="http://schemas.microsoft.com/office/drawing/2014/main" id="{9E44B19B-9953-4462-B98C-34C559DFD4BA}"/>
               </a:ext>
             </a:extLst>
           </p:cNvPr>
@@ -1598,7 +1599,7 @@
           <p:cNvPr id="4" name="Datumsplatzhalter 3">
             <a:extLst>
               <a:ext uri="{FF2B5EF4-FFF2-40B4-BE49-F238E27FC236}">
-                <a16:creationId xmlns:a16="http://schemas.microsoft.com/office/drawing/2014/main" xmlns="" id="{85282A0B-87AA-4F5C-9252-AB7E74ABF29B}"/>
+                <a16:creationId xmlns:a16="http://schemas.microsoft.com/office/drawing/2014/main" id="{85282A0B-87AA-4F5C-9252-AB7E74ABF29B}"/>
               </a:ext>
             </a:extLst>
           </p:cNvPr>
@@ -1616,7 +1617,7 @@
           <a:p>
             <a:fld id="{DF3AC8A0-D7DC-4DB9-82A4-6718A73209B7}" type="datetime4">
               <a:rPr lang="de-DE" smtClean="0"/>
-              <a:t>25. Juni 2020</a:t>
+              <a:t>26. Juni 2020</a:t>
             </a:fld>
             <a:endParaRPr lang="de-DE" dirty="0"/>
           </a:p>
@@ -1627,7 +1628,7 @@
           <p:cNvPr id="5" name="Fußzeilenplatzhalter 4">
             <a:extLst>
               <a:ext uri="{FF2B5EF4-FFF2-40B4-BE49-F238E27FC236}">
-                <a16:creationId xmlns:a16="http://schemas.microsoft.com/office/drawing/2014/main" xmlns="" id="{CCE46F71-BCF6-41F3-8C17-381DF36140FE}"/>
+                <a16:creationId xmlns:a16="http://schemas.microsoft.com/office/drawing/2014/main" id="{CCE46F71-BCF6-41F3-8C17-381DF36140FE}"/>
               </a:ext>
             </a:extLst>
           </p:cNvPr>
@@ -1644,7 +1645,7 @@
           <a:lstStyle/>
           <a:p>
             <a:r>
-              <a:rPr lang="de-DE" smtClean="0"/>
+              <a:rPr lang="de-DE"/>
               <a:t>Soccer Team</a:t>
             </a:r>
             <a:endParaRPr lang="de-DE" dirty="0"/>
@@ -1656,7 +1657,7 @@
           <p:cNvPr id="6" name="Foliennummernplatzhalter 5">
             <a:extLst>
               <a:ext uri="{FF2B5EF4-FFF2-40B4-BE49-F238E27FC236}">
-                <a16:creationId xmlns:a16="http://schemas.microsoft.com/office/drawing/2014/main" xmlns="" id="{DF41A37E-A33B-4798-9922-3B8B5AE5A27B}"/>
+                <a16:creationId xmlns:a16="http://schemas.microsoft.com/office/drawing/2014/main" id="{DF41A37E-A33B-4798-9922-3B8B5AE5A27B}"/>
               </a:ext>
             </a:extLst>
           </p:cNvPr>
@@ -1682,7 +1683,7 @@
           <a:p>
             <a:fld id="{9A48FC86-4651-46AF-9E4A-D3FC30E17613}" type="slidenum">
               <a:rPr lang="de-DE" smtClean="0"/>
-              <a:t>‹N°›</a:t>
+              <a:t>‹#›</a:t>
             </a:fld>
             <a:endParaRPr lang="de-DE"/>
           </a:p>
@@ -1723,7 +1724,7 @@
           <p:cNvPr id="2" name="Titel 1">
             <a:extLst>
               <a:ext uri="{FF2B5EF4-FFF2-40B4-BE49-F238E27FC236}">
-                <a16:creationId xmlns:a16="http://schemas.microsoft.com/office/drawing/2014/main" xmlns="" id="{FCE4A30D-3A8C-4B77-B82E-724CCF54EFD5}"/>
+                <a16:creationId xmlns:a16="http://schemas.microsoft.com/office/drawing/2014/main" id="{FCE4A30D-3A8C-4B77-B82E-724CCF54EFD5}"/>
               </a:ext>
             </a:extLst>
           </p:cNvPr>
@@ -1751,7 +1752,7 @@
           <p:cNvPr id="3" name="Vertikaler Textplatzhalter 2">
             <a:extLst>
               <a:ext uri="{FF2B5EF4-FFF2-40B4-BE49-F238E27FC236}">
-                <a16:creationId xmlns:a16="http://schemas.microsoft.com/office/drawing/2014/main" xmlns="" id="{D0312C4C-DD67-420D-AE80-FBF20CAD00FE}"/>
+                <a16:creationId xmlns:a16="http://schemas.microsoft.com/office/drawing/2014/main" id="{D0312C4C-DD67-420D-AE80-FBF20CAD00FE}"/>
               </a:ext>
             </a:extLst>
           </p:cNvPr>
@@ -1808,7 +1809,7 @@
           <p:cNvPr id="4" name="Datumsplatzhalter 3">
             <a:extLst>
               <a:ext uri="{FF2B5EF4-FFF2-40B4-BE49-F238E27FC236}">
-                <a16:creationId xmlns:a16="http://schemas.microsoft.com/office/drawing/2014/main" xmlns="" id="{752D94C2-424D-4096-8FAE-F12A3D4A5C7D}"/>
+                <a16:creationId xmlns:a16="http://schemas.microsoft.com/office/drawing/2014/main" id="{752D94C2-424D-4096-8FAE-F12A3D4A5C7D}"/>
               </a:ext>
             </a:extLst>
           </p:cNvPr>
@@ -1826,7 +1827,7 @@
           <a:p>
             <a:fld id="{3DADFC1B-3D9C-4B4E-B878-9838C001FFF1}" type="datetime4">
               <a:rPr lang="de-DE" smtClean="0"/>
-              <a:t>25. Juni 2020</a:t>
+              <a:t>26. Juni 2020</a:t>
             </a:fld>
             <a:endParaRPr lang="de-DE"/>
           </a:p>
@@ -1837,7 +1838,7 @@
           <p:cNvPr id="5" name="Fußzeilenplatzhalter 4">
             <a:extLst>
               <a:ext uri="{FF2B5EF4-FFF2-40B4-BE49-F238E27FC236}">
-                <a16:creationId xmlns:a16="http://schemas.microsoft.com/office/drawing/2014/main" xmlns="" id="{02BB29D6-C358-4D1F-90A7-5282C5CF3A2B}"/>
+                <a16:creationId xmlns:a16="http://schemas.microsoft.com/office/drawing/2014/main" id="{02BB29D6-C358-4D1F-90A7-5282C5CF3A2B}"/>
               </a:ext>
             </a:extLst>
           </p:cNvPr>
@@ -1854,10 +1855,9 @@
           <a:lstStyle/>
           <a:p>
             <a:r>
-              <a:rPr lang="de-DE" smtClean="0"/>
+              <a:rPr lang="de-DE"/>
               <a:t>Soccer Team</a:t>
             </a:r>
-            <a:endParaRPr lang="de-DE"/>
           </a:p>
         </p:txBody>
       </p:sp>
@@ -1866,7 +1866,7 @@
           <p:cNvPr id="6" name="Foliennummernplatzhalter 5">
             <a:extLst>
               <a:ext uri="{FF2B5EF4-FFF2-40B4-BE49-F238E27FC236}">
-                <a16:creationId xmlns:a16="http://schemas.microsoft.com/office/drawing/2014/main" xmlns="" id="{AE9CFC43-FC34-49A0-9C58-C1BA7EAB4CD1}"/>
+                <a16:creationId xmlns:a16="http://schemas.microsoft.com/office/drawing/2014/main" id="{AE9CFC43-FC34-49A0-9C58-C1BA7EAB4CD1}"/>
               </a:ext>
             </a:extLst>
           </p:cNvPr>
@@ -1892,7 +1892,7 @@
           <a:p>
             <a:fld id="{9A48FC86-4651-46AF-9E4A-D3FC30E17613}" type="slidenum">
               <a:rPr lang="de-DE" smtClean="0"/>
-              <a:t>‹N°›</a:t>
+              <a:t>‹#›</a:t>
             </a:fld>
             <a:endParaRPr lang="de-DE"/>
           </a:p>
@@ -1933,7 +1933,7 @@
           <p:cNvPr id="2" name="Vertikaler Titel 1">
             <a:extLst>
               <a:ext uri="{FF2B5EF4-FFF2-40B4-BE49-F238E27FC236}">
-                <a16:creationId xmlns:a16="http://schemas.microsoft.com/office/drawing/2014/main" xmlns="" id="{C6AE7126-CFA4-458D-B5F5-AA476ABB117D}"/>
+                <a16:creationId xmlns:a16="http://schemas.microsoft.com/office/drawing/2014/main" id="{C6AE7126-CFA4-458D-B5F5-AA476ABB117D}"/>
               </a:ext>
             </a:extLst>
           </p:cNvPr>
@@ -1966,7 +1966,7 @@
           <p:cNvPr id="3" name="Vertikaler Textplatzhalter 2">
             <a:extLst>
               <a:ext uri="{FF2B5EF4-FFF2-40B4-BE49-F238E27FC236}">
-                <a16:creationId xmlns:a16="http://schemas.microsoft.com/office/drawing/2014/main" xmlns="" id="{E4719945-B69E-4CB7-AF62-A8E248C097C4}"/>
+                <a16:creationId xmlns:a16="http://schemas.microsoft.com/office/drawing/2014/main" id="{E4719945-B69E-4CB7-AF62-A8E248C097C4}"/>
               </a:ext>
             </a:extLst>
           </p:cNvPr>
@@ -2028,7 +2028,7 @@
           <p:cNvPr id="4" name="Datumsplatzhalter 3">
             <a:extLst>
               <a:ext uri="{FF2B5EF4-FFF2-40B4-BE49-F238E27FC236}">
-                <a16:creationId xmlns:a16="http://schemas.microsoft.com/office/drawing/2014/main" xmlns="" id="{194C9456-1825-45D5-AFC8-7437C4E58D48}"/>
+                <a16:creationId xmlns:a16="http://schemas.microsoft.com/office/drawing/2014/main" id="{194C9456-1825-45D5-AFC8-7437C4E58D48}"/>
               </a:ext>
             </a:extLst>
           </p:cNvPr>
@@ -2046,7 +2046,7 @@
           <a:p>
             <a:fld id="{9A9A2A07-7203-4EA4-87D4-4FD5AD518E2A}" type="datetime4">
               <a:rPr lang="de-DE" smtClean="0"/>
-              <a:t>25. Juni 2020</a:t>
+              <a:t>26. Juni 2020</a:t>
             </a:fld>
             <a:endParaRPr lang="de-DE"/>
           </a:p>
@@ -2057,7 +2057,7 @@
           <p:cNvPr id="5" name="Fußzeilenplatzhalter 4">
             <a:extLst>
               <a:ext uri="{FF2B5EF4-FFF2-40B4-BE49-F238E27FC236}">
-                <a16:creationId xmlns:a16="http://schemas.microsoft.com/office/drawing/2014/main" xmlns="" id="{0B1CC9B3-FE3E-4DC0-B71D-312C93D1814D}"/>
+                <a16:creationId xmlns:a16="http://schemas.microsoft.com/office/drawing/2014/main" id="{0B1CC9B3-FE3E-4DC0-B71D-312C93D1814D}"/>
               </a:ext>
             </a:extLst>
           </p:cNvPr>
@@ -2074,10 +2074,9 @@
           <a:lstStyle/>
           <a:p>
             <a:r>
-              <a:rPr lang="de-DE" smtClean="0"/>
+              <a:rPr lang="de-DE"/>
               <a:t>Soccer Team</a:t>
             </a:r>
-            <a:endParaRPr lang="de-DE"/>
           </a:p>
         </p:txBody>
       </p:sp>
@@ -2086,7 +2085,7 @@
           <p:cNvPr id="6" name="Foliennummernplatzhalter 5">
             <a:extLst>
               <a:ext uri="{FF2B5EF4-FFF2-40B4-BE49-F238E27FC236}">
-                <a16:creationId xmlns:a16="http://schemas.microsoft.com/office/drawing/2014/main" xmlns="" id="{41E050D8-C164-4E85-94F4-BA2B19D46D58}"/>
+                <a16:creationId xmlns:a16="http://schemas.microsoft.com/office/drawing/2014/main" id="{41E050D8-C164-4E85-94F4-BA2B19D46D58}"/>
               </a:ext>
             </a:extLst>
           </p:cNvPr>
@@ -2112,7 +2111,7 @@
           <a:p>
             <a:fld id="{9A48FC86-4651-46AF-9E4A-D3FC30E17613}" type="slidenum">
               <a:rPr lang="de-DE" smtClean="0"/>
-              <a:t>‹N°›</a:t>
+              <a:t>‹#›</a:t>
             </a:fld>
             <a:endParaRPr lang="de-DE"/>
           </a:p>
@@ -2153,7 +2152,7 @@
           <p:cNvPr id="2" name="Titel 1">
             <a:extLst>
               <a:ext uri="{FF2B5EF4-FFF2-40B4-BE49-F238E27FC236}">
-                <a16:creationId xmlns:a16="http://schemas.microsoft.com/office/drawing/2014/main" xmlns="" id="{C9100C2D-6625-4AF5-8937-424086BE0285}"/>
+                <a16:creationId xmlns:a16="http://schemas.microsoft.com/office/drawing/2014/main" id="{C9100C2D-6625-4AF5-8937-424086BE0285}"/>
               </a:ext>
             </a:extLst>
           </p:cNvPr>
@@ -2181,7 +2180,7 @@
           <p:cNvPr id="3" name="Inhaltsplatzhalter 2">
             <a:extLst>
               <a:ext uri="{FF2B5EF4-FFF2-40B4-BE49-F238E27FC236}">
-                <a16:creationId xmlns:a16="http://schemas.microsoft.com/office/drawing/2014/main" xmlns="" id="{38D1AAA1-BE3D-4A43-91C4-A2C3C6173375}"/>
+                <a16:creationId xmlns:a16="http://schemas.microsoft.com/office/drawing/2014/main" id="{38D1AAA1-BE3D-4A43-91C4-A2C3C6173375}"/>
               </a:ext>
             </a:extLst>
           </p:cNvPr>
@@ -2238,7 +2237,7 @@
           <p:cNvPr id="4" name="Datumsplatzhalter 3">
             <a:extLst>
               <a:ext uri="{FF2B5EF4-FFF2-40B4-BE49-F238E27FC236}">
-                <a16:creationId xmlns:a16="http://schemas.microsoft.com/office/drawing/2014/main" xmlns="" id="{48884C8B-06F5-44CC-B1D1-2A02463EC226}"/>
+                <a16:creationId xmlns:a16="http://schemas.microsoft.com/office/drawing/2014/main" id="{48884C8B-06F5-44CC-B1D1-2A02463EC226}"/>
               </a:ext>
             </a:extLst>
           </p:cNvPr>
@@ -2256,7 +2255,7 @@
           <a:p>
             <a:fld id="{A356702F-5C75-4EC8-9F6B-23FBBCC002AD}" type="datetime4">
               <a:rPr lang="de-DE" smtClean="0"/>
-              <a:t>25. Juni 2020</a:t>
+              <a:t>26. Juni 2020</a:t>
             </a:fld>
             <a:endParaRPr lang="de-DE"/>
           </a:p>
@@ -2267,7 +2266,7 @@
           <p:cNvPr id="5" name="Fußzeilenplatzhalter 4">
             <a:extLst>
               <a:ext uri="{FF2B5EF4-FFF2-40B4-BE49-F238E27FC236}">
-                <a16:creationId xmlns:a16="http://schemas.microsoft.com/office/drawing/2014/main" xmlns="" id="{2EE480CA-0EC1-4AF7-9F30-F143FE83D99B}"/>
+                <a16:creationId xmlns:a16="http://schemas.microsoft.com/office/drawing/2014/main" id="{2EE480CA-0EC1-4AF7-9F30-F143FE83D99B}"/>
               </a:ext>
             </a:extLst>
           </p:cNvPr>
@@ -2284,7 +2283,7 @@
           <a:lstStyle/>
           <a:p>
             <a:r>
-              <a:rPr lang="de-DE" smtClean="0"/>
+              <a:rPr lang="de-DE"/>
               <a:t>Soccer Team</a:t>
             </a:r>
             <a:endParaRPr lang="de-DE" dirty="0"/>
@@ -2296,7 +2295,7 @@
           <p:cNvPr id="6" name="Foliennummernplatzhalter 5">
             <a:extLst>
               <a:ext uri="{FF2B5EF4-FFF2-40B4-BE49-F238E27FC236}">
-                <a16:creationId xmlns:a16="http://schemas.microsoft.com/office/drawing/2014/main" xmlns="" id="{13337EC3-94DD-4B09-A484-F0141C1CB8B0}"/>
+                <a16:creationId xmlns:a16="http://schemas.microsoft.com/office/drawing/2014/main" id="{13337EC3-94DD-4B09-A484-F0141C1CB8B0}"/>
               </a:ext>
             </a:extLst>
           </p:cNvPr>
@@ -2322,7 +2321,7 @@
           <a:p>
             <a:fld id="{9A48FC86-4651-46AF-9E4A-D3FC30E17613}" type="slidenum">
               <a:rPr lang="de-DE" smtClean="0"/>
-              <a:t>‹N°›</a:t>
+              <a:t>‹#›</a:t>
             </a:fld>
             <a:endParaRPr lang="de-DE"/>
           </a:p>
@@ -2363,7 +2362,7 @@
           <p:cNvPr id="2" name="Titel 1">
             <a:extLst>
               <a:ext uri="{FF2B5EF4-FFF2-40B4-BE49-F238E27FC236}">
-                <a16:creationId xmlns:a16="http://schemas.microsoft.com/office/drawing/2014/main" xmlns="" id="{CBDD584A-A976-4556-9716-DA9197EACC6F}"/>
+                <a16:creationId xmlns:a16="http://schemas.microsoft.com/office/drawing/2014/main" id="{CBDD584A-A976-4556-9716-DA9197EACC6F}"/>
               </a:ext>
             </a:extLst>
           </p:cNvPr>
@@ -2400,7 +2399,7 @@
           <p:cNvPr id="3" name="Textplatzhalter 2">
             <a:extLst>
               <a:ext uri="{FF2B5EF4-FFF2-40B4-BE49-F238E27FC236}">
-                <a16:creationId xmlns:a16="http://schemas.microsoft.com/office/drawing/2014/main" xmlns="" id="{C713F004-8C3B-4899-9F30-C6CC20E50B36}"/>
+                <a16:creationId xmlns:a16="http://schemas.microsoft.com/office/drawing/2014/main" id="{C713F004-8C3B-4899-9F30-C6CC20E50B36}"/>
               </a:ext>
             </a:extLst>
           </p:cNvPr>
@@ -2525,7 +2524,7 @@
           <p:cNvPr id="4" name="Datumsplatzhalter 3">
             <a:extLst>
               <a:ext uri="{FF2B5EF4-FFF2-40B4-BE49-F238E27FC236}">
-                <a16:creationId xmlns:a16="http://schemas.microsoft.com/office/drawing/2014/main" xmlns="" id="{B300BECA-2226-430E-B31A-3A70D7FB0DD4}"/>
+                <a16:creationId xmlns:a16="http://schemas.microsoft.com/office/drawing/2014/main" id="{B300BECA-2226-430E-B31A-3A70D7FB0DD4}"/>
               </a:ext>
             </a:extLst>
           </p:cNvPr>
@@ -2543,7 +2542,7 @@
           <a:p>
             <a:fld id="{54F1D090-9919-41A9-9AAB-A59E9C32CD0F}" type="datetime4">
               <a:rPr lang="de-DE" smtClean="0"/>
-              <a:t>25. Juni 2020</a:t>
+              <a:t>26. Juni 2020</a:t>
             </a:fld>
             <a:endParaRPr lang="de-DE"/>
           </a:p>
@@ -2554,7 +2553,7 @@
           <p:cNvPr id="5" name="Fußzeilenplatzhalter 4">
             <a:extLst>
               <a:ext uri="{FF2B5EF4-FFF2-40B4-BE49-F238E27FC236}">
-                <a16:creationId xmlns:a16="http://schemas.microsoft.com/office/drawing/2014/main" xmlns="" id="{9D2C0B24-C4C7-4E3E-A30D-AD2B22A8CAC5}"/>
+                <a16:creationId xmlns:a16="http://schemas.microsoft.com/office/drawing/2014/main" id="{9D2C0B24-C4C7-4E3E-A30D-AD2B22A8CAC5}"/>
               </a:ext>
             </a:extLst>
           </p:cNvPr>
@@ -2571,7 +2570,7 @@
           <a:lstStyle/>
           <a:p>
             <a:r>
-              <a:rPr lang="de-DE" smtClean="0"/>
+              <a:rPr lang="de-DE"/>
               <a:t>Soccer Team</a:t>
             </a:r>
             <a:endParaRPr lang="de-DE" dirty="0"/>
@@ -2583,7 +2582,7 @@
           <p:cNvPr id="6" name="Foliennummernplatzhalter 5">
             <a:extLst>
               <a:ext uri="{FF2B5EF4-FFF2-40B4-BE49-F238E27FC236}">
-                <a16:creationId xmlns:a16="http://schemas.microsoft.com/office/drawing/2014/main" xmlns="" id="{15EF3485-89F1-47E8-AB99-914FE8775138}"/>
+                <a16:creationId xmlns:a16="http://schemas.microsoft.com/office/drawing/2014/main" id="{15EF3485-89F1-47E8-AB99-914FE8775138}"/>
               </a:ext>
             </a:extLst>
           </p:cNvPr>
@@ -2609,7 +2608,7 @@
           <a:p>
             <a:fld id="{9A48FC86-4651-46AF-9E4A-D3FC30E17613}" type="slidenum">
               <a:rPr lang="de-DE" smtClean="0"/>
-              <a:t>‹N°›</a:t>
+              <a:t>‹#›</a:t>
             </a:fld>
             <a:endParaRPr lang="de-DE"/>
           </a:p>
@@ -2650,7 +2649,7 @@
           <p:cNvPr id="2" name="Titel 1">
             <a:extLst>
               <a:ext uri="{FF2B5EF4-FFF2-40B4-BE49-F238E27FC236}">
-                <a16:creationId xmlns:a16="http://schemas.microsoft.com/office/drawing/2014/main" xmlns="" id="{6B45D284-4E4F-4976-80EC-400821F99BCF}"/>
+                <a16:creationId xmlns:a16="http://schemas.microsoft.com/office/drawing/2014/main" id="{6B45D284-4E4F-4976-80EC-400821F99BCF}"/>
               </a:ext>
             </a:extLst>
           </p:cNvPr>
@@ -2678,7 +2677,7 @@
           <p:cNvPr id="3" name="Inhaltsplatzhalter 2">
             <a:extLst>
               <a:ext uri="{FF2B5EF4-FFF2-40B4-BE49-F238E27FC236}">
-                <a16:creationId xmlns:a16="http://schemas.microsoft.com/office/drawing/2014/main" xmlns="" id="{61C980E4-B51F-4860-A848-EB6955BA36AF}"/>
+                <a16:creationId xmlns:a16="http://schemas.microsoft.com/office/drawing/2014/main" id="{61C980E4-B51F-4860-A848-EB6955BA36AF}"/>
               </a:ext>
             </a:extLst>
           </p:cNvPr>
@@ -2740,7 +2739,7 @@
           <p:cNvPr id="4" name="Inhaltsplatzhalter 3">
             <a:extLst>
               <a:ext uri="{FF2B5EF4-FFF2-40B4-BE49-F238E27FC236}">
-                <a16:creationId xmlns:a16="http://schemas.microsoft.com/office/drawing/2014/main" xmlns="" id="{8D7C296F-6044-4CF6-BBE5-CEA4560EEEB9}"/>
+                <a16:creationId xmlns:a16="http://schemas.microsoft.com/office/drawing/2014/main" id="{8D7C296F-6044-4CF6-BBE5-CEA4560EEEB9}"/>
               </a:ext>
             </a:extLst>
           </p:cNvPr>
@@ -2802,7 +2801,7 @@
           <p:cNvPr id="5" name="Datumsplatzhalter 4">
             <a:extLst>
               <a:ext uri="{FF2B5EF4-FFF2-40B4-BE49-F238E27FC236}">
-                <a16:creationId xmlns:a16="http://schemas.microsoft.com/office/drawing/2014/main" xmlns="" id="{F87A09FB-245D-407E-94D1-C81BBB221DC2}"/>
+                <a16:creationId xmlns:a16="http://schemas.microsoft.com/office/drawing/2014/main" id="{F87A09FB-245D-407E-94D1-C81BBB221DC2}"/>
               </a:ext>
             </a:extLst>
           </p:cNvPr>
@@ -2820,7 +2819,7 @@
           <a:p>
             <a:fld id="{6FB691BA-E9CE-42C9-98AC-D889CE1B2601}" type="datetime4">
               <a:rPr lang="de-DE" smtClean="0"/>
-              <a:t>25. Juni 2020</a:t>
+              <a:t>26. Juni 2020</a:t>
             </a:fld>
             <a:endParaRPr lang="de-DE"/>
           </a:p>
@@ -2831,7 +2830,7 @@
           <p:cNvPr id="6" name="Fußzeilenplatzhalter 5">
             <a:extLst>
               <a:ext uri="{FF2B5EF4-FFF2-40B4-BE49-F238E27FC236}">
-                <a16:creationId xmlns:a16="http://schemas.microsoft.com/office/drawing/2014/main" xmlns="" id="{7713AD3F-FB16-4761-97DD-7D2895FBAF79}"/>
+                <a16:creationId xmlns:a16="http://schemas.microsoft.com/office/drawing/2014/main" id="{7713AD3F-FB16-4761-97DD-7D2895FBAF79}"/>
               </a:ext>
             </a:extLst>
           </p:cNvPr>
@@ -2848,7 +2847,7 @@
           <a:lstStyle/>
           <a:p>
             <a:r>
-              <a:rPr lang="de-DE" smtClean="0"/>
+              <a:rPr lang="de-DE"/>
               <a:t>Soccer Team</a:t>
             </a:r>
             <a:endParaRPr lang="de-DE" dirty="0"/>
@@ -2860,7 +2859,7 @@
           <p:cNvPr id="7" name="Foliennummernplatzhalter 6">
             <a:extLst>
               <a:ext uri="{FF2B5EF4-FFF2-40B4-BE49-F238E27FC236}">
-                <a16:creationId xmlns:a16="http://schemas.microsoft.com/office/drawing/2014/main" xmlns="" id="{E08B0646-8FC5-4829-A454-55B654DBA3C4}"/>
+                <a16:creationId xmlns:a16="http://schemas.microsoft.com/office/drawing/2014/main" id="{E08B0646-8FC5-4829-A454-55B654DBA3C4}"/>
               </a:ext>
             </a:extLst>
           </p:cNvPr>
@@ -2886,7 +2885,7 @@
           <a:p>
             <a:fld id="{9A48FC86-4651-46AF-9E4A-D3FC30E17613}" type="slidenum">
               <a:rPr lang="de-DE" smtClean="0"/>
-              <a:t>‹N°›</a:t>
+              <a:t>‹#›</a:t>
             </a:fld>
             <a:endParaRPr lang="de-DE"/>
           </a:p>
@@ -2927,7 +2926,7 @@
           <p:cNvPr id="2" name="Titel 1">
             <a:extLst>
               <a:ext uri="{FF2B5EF4-FFF2-40B4-BE49-F238E27FC236}">
-                <a16:creationId xmlns:a16="http://schemas.microsoft.com/office/drawing/2014/main" xmlns="" id="{87FFCFA6-D29A-4DD6-8A93-5742D6DB0521}"/>
+                <a16:creationId xmlns:a16="http://schemas.microsoft.com/office/drawing/2014/main" id="{87FFCFA6-D29A-4DD6-8A93-5742D6DB0521}"/>
               </a:ext>
             </a:extLst>
           </p:cNvPr>
@@ -2960,7 +2959,7 @@
           <p:cNvPr id="3" name="Textplatzhalter 2">
             <a:extLst>
               <a:ext uri="{FF2B5EF4-FFF2-40B4-BE49-F238E27FC236}">
-                <a16:creationId xmlns:a16="http://schemas.microsoft.com/office/drawing/2014/main" xmlns="" id="{52A062D5-F9A3-40F3-940E-784410DB79B5}"/>
+                <a16:creationId xmlns:a16="http://schemas.microsoft.com/office/drawing/2014/main" id="{52A062D5-F9A3-40F3-940E-784410DB79B5}"/>
               </a:ext>
             </a:extLst>
           </p:cNvPr>
@@ -3031,7 +3030,7 @@
           <p:cNvPr id="4" name="Inhaltsplatzhalter 3">
             <a:extLst>
               <a:ext uri="{FF2B5EF4-FFF2-40B4-BE49-F238E27FC236}">
-                <a16:creationId xmlns:a16="http://schemas.microsoft.com/office/drawing/2014/main" xmlns="" id="{0F2C725F-CDA6-419C-9990-237B92011EB3}"/>
+                <a16:creationId xmlns:a16="http://schemas.microsoft.com/office/drawing/2014/main" id="{0F2C725F-CDA6-419C-9990-237B92011EB3}"/>
               </a:ext>
             </a:extLst>
           </p:cNvPr>
@@ -3093,7 +3092,7 @@
           <p:cNvPr id="5" name="Textplatzhalter 4">
             <a:extLst>
               <a:ext uri="{FF2B5EF4-FFF2-40B4-BE49-F238E27FC236}">
-                <a16:creationId xmlns:a16="http://schemas.microsoft.com/office/drawing/2014/main" xmlns="" id="{57D0AB86-7ACC-4F81-BA1E-EABC81375E4C}"/>
+                <a16:creationId xmlns:a16="http://schemas.microsoft.com/office/drawing/2014/main" id="{57D0AB86-7ACC-4F81-BA1E-EABC81375E4C}"/>
               </a:ext>
             </a:extLst>
           </p:cNvPr>
@@ -3164,7 +3163,7 @@
           <p:cNvPr id="6" name="Inhaltsplatzhalter 5">
             <a:extLst>
               <a:ext uri="{FF2B5EF4-FFF2-40B4-BE49-F238E27FC236}">
-                <a16:creationId xmlns:a16="http://schemas.microsoft.com/office/drawing/2014/main" xmlns="" id="{1A5FCBEC-2F64-4023-881F-8C2D77F12391}"/>
+                <a16:creationId xmlns:a16="http://schemas.microsoft.com/office/drawing/2014/main" id="{1A5FCBEC-2F64-4023-881F-8C2D77F12391}"/>
               </a:ext>
             </a:extLst>
           </p:cNvPr>
@@ -3226,7 +3225,7 @@
           <p:cNvPr id="7" name="Datumsplatzhalter 6">
             <a:extLst>
               <a:ext uri="{FF2B5EF4-FFF2-40B4-BE49-F238E27FC236}">
-                <a16:creationId xmlns:a16="http://schemas.microsoft.com/office/drawing/2014/main" xmlns="" id="{1B579458-8146-4585-8116-8815B1984C10}"/>
+                <a16:creationId xmlns:a16="http://schemas.microsoft.com/office/drawing/2014/main" id="{1B579458-8146-4585-8116-8815B1984C10}"/>
               </a:ext>
             </a:extLst>
           </p:cNvPr>
@@ -3244,7 +3243,7 @@
           <a:p>
             <a:fld id="{1CDC3215-D053-48D2-B50B-0C22B9538DA1}" type="datetime4">
               <a:rPr lang="de-DE" smtClean="0"/>
-              <a:t>25. Juni 2020</a:t>
+              <a:t>26. Juni 2020</a:t>
             </a:fld>
             <a:endParaRPr lang="de-DE"/>
           </a:p>
@@ -3255,7 +3254,7 @@
           <p:cNvPr id="8" name="Fußzeilenplatzhalter 7">
             <a:extLst>
               <a:ext uri="{FF2B5EF4-FFF2-40B4-BE49-F238E27FC236}">
-                <a16:creationId xmlns:a16="http://schemas.microsoft.com/office/drawing/2014/main" xmlns="" id="{B8FE971A-3252-4BEE-AE2A-ED9DD64D786C}"/>
+                <a16:creationId xmlns:a16="http://schemas.microsoft.com/office/drawing/2014/main" id="{B8FE971A-3252-4BEE-AE2A-ED9DD64D786C}"/>
               </a:ext>
             </a:extLst>
           </p:cNvPr>
@@ -3272,7 +3271,7 @@
           <a:lstStyle/>
           <a:p>
             <a:r>
-              <a:rPr lang="de-DE" smtClean="0"/>
+              <a:rPr lang="de-DE"/>
               <a:t>Soccer Team</a:t>
             </a:r>
             <a:endParaRPr lang="de-DE" dirty="0"/>
@@ -3284,7 +3283,7 @@
           <p:cNvPr id="9" name="Foliennummernplatzhalter 8">
             <a:extLst>
               <a:ext uri="{FF2B5EF4-FFF2-40B4-BE49-F238E27FC236}">
-                <a16:creationId xmlns:a16="http://schemas.microsoft.com/office/drawing/2014/main" xmlns="" id="{224F811E-098E-42CD-BF79-561DBDB14DE9}"/>
+                <a16:creationId xmlns:a16="http://schemas.microsoft.com/office/drawing/2014/main" id="{224F811E-098E-42CD-BF79-561DBDB14DE9}"/>
               </a:ext>
             </a:extLst>
           </p:cNvPr>
@@ -3310,7 +3309,7 @@
           <a:p>
             <a:fld id="{9A48FC86-4651-46AF-9E4A-D3FC30E17613}" type="slidenum">
               <a:rPr lang="de-DE" smtClean="0"/>
-              <a:t>‹N°›</a:t>
+              <a:t>‹#›</a:t>
             </a:fld>
             <a:endParaRPr lang="de-DE"/>
           </a:p>
@@ -3351,7 +3350,7 @@
           <p:cNvPr id="2" name="Titel 1">
             <a:extLst>
               <a:ext uri="{FF2B5EF4-FFF2-40B4-BE49-F238E27FC236}">
-                <a16:creationId xmlns:a16="http://schemas.microsoft.com/office/drawing/2014/main" xmlns="" id="{466DE76C-FB01-463F-B2AD-A897695D3F41}"/>
+                <a16:creationId xmlns:a16="http://schemas.microsoft.com/office/drawing/2014/main" id="{466DE76C-FB01-463F-B2AD-A897695D3F41}"/>
               </a:ext>
             </a:extLst>
           </p:cNvPr>
@@ -3379,7 +3378,7 @@
           <p:cNvPr id="3" name="Datumsplatzhalter 2">
             <a:extLst>
               <a:ext uri="{FF2B5EF4-FFF2-40B4-BE49-F238E27FC236}">
-                <a16:creationId xmlns:a16="http://schemas.microsoft.com/office/drawing/2014/main" xmlns="" id="{6F7936C0-FCFE-4A57-9E63-31F514892227}"/>
+                <a16:creationId xmlns:a16="http://schemas.microsoft.com/office/drawing/2014/main" id="{6F7936C0-FCFE-4A57-9E63-31F514892227}"/>
               </a:ext>
             </a:extLst>
           </p:cNvPr>
@@ -3397,7 +3396,7 @@
           <a:p>
             <a:fld id="{E726C792-CDA3-4D43-B7D8-C086A5FD3DFE}" type="datetime4">
               <a:rPr lang="de-DE" smtClean="0"/>
-              <a:t>25. Juni 2020</a:t>
+              <a:t>26. Juni 2020</a:t>
             </a:fld>
             <a:endParaRPr lang="de-DE"/>
           </a:p>
@@ -3408,7 +3407,7 @@
           <p:cNvPr id="4" name="Fußzeilenplatzhalter 3">
             <a:extLst>
               <a:ext uri="{FF2B5EF4-FFF2-40B4-BE49-F238E27FC236}">
-                <a16:creationId xmlns:a16="http://schemas.microsoft.com/office/drawing/2014/main" xmlns="" id="{BF4C0BEA-1F74-43B8-B16A-0B93A98AF74A}"/>
+                <a16:creationId xmlns:a16="http://schemas.microsoft.com/office/drawing/2014/main" id="{BF4C0BEA-1F74-43B8-B16A-0B93A98AF74A}"/>
               </a:ext>
             </a:extLst>
           </p:cNvPr>
@@ -3425,10 +3424,9 @@
           <a:lstStyle/>
           <a:p>
             <a:r>
-              <a:rPr lang="de-DE" smtClean="0"/>
+              <a:rPr lang="de-DE"/>
               <a:t>Soccer Team</a:t>
             </a:r>
-            <a:endParaRPr lang="de-DE"/>
           </a:p>
         </p:txBody>
       </p:sp>
@@ -3437,7 +3435,7 @@
           <p:cNvPr id="5" name="Foliennummernplatzhalter 4">
             <a:extLst>
               <a:ext uri="{FF2B5EF4-FFF2-40B4-BE49-F238E27FC236}">
-                <a16:creationId xmlns:a16="http://schemas.microsoft.com/office/drawing/2014/main" xmlns="" id="{FDC612F2-A418-4792-A4B4-C0ABBAAB10A0}"/>
+                <a16:creationId xmlns:a16="http://schemas.microsoft.com/office/drawing/2014/main" id="{FDC612F2-A418-4792-A4B4-C0ABBAAB10A0}"/>
               </a:ext>
             </a:extLst>
           </p:cNvPr>
@@ -3463,7 +3461,7 @@
           <a:p>
             <a:fld id="{9A48FC86-4651-46AF-9E4A-D3FC30E17613}" type="slidenum">
               <a:rPr lang="de-DE" smtClean="0"/>
-              <a:t>‹N°›</a:t>
+              <a:t>‹#›</a:t>
             </a:fld>
             <a:endParaRPr lang="de-DE"/>
           </a:p>
@@ -3504,7 +3502,7 @@
           <p:cNvPr id="2" name="Datumsplatzhalter 1">
             <a:extLst>
               <a:ext uri="{FF2B5EF4-FFF2-40B4-BE49-F238E27FC236}">
-                <a16:creationId xmlns:a16="http://schemas.microsoft.com/office/drawing/2014/main" xmlns="" id="{F1A16BA6-C843-4946-87C4-F009F9659E53}"/>
+                <a16:creationId xmlns:a16="http://schemas.microsoft.com/office/drawing/2014/main" id="{F1A16BA6-C843-4946-87C4-F009F9659E53}"/>
               </a:ext>
             </a:extLst>
           </p:cNvPr>
@@ -3522,7 +3520,7 @@
           <a:p>
             <a:fld id="{D75D253E-2C80-4C6B-855C-3695741C724C}" type="datetime4">
               <a:rPr lang="de-DE" smtClean="0"/>
-              <a:t>25. Juni 2020</a:t>
+              <a:t>26. Juni 2020</a:t>
             </a:fld>
             <a:endParaRPr lang="de-DE"/>
           </a:p>
@@ -3533,7 +3531,7 @@
           <p:cNvPr id="3" name="Fußzeilenplatzhalter 2">
             <a:extLst>
               <a:ext uri="{FF2B5EF4-FFF2-40B4-BE49-F238E27FC236}">
-                <a16:creationId xmlns:a16="http://schemas.microsoft.com/office/drawing/2014/main" xmlns="" id="{74AD0BED-584B-4312-BC56-F22A5A97A8EA}"/>
+                <a16:creationId xmlns:a16="http://schemas.microsoft.com/office/drawing/2014/main" id="{74AD0BED-584B-4312-BC56-F22A5A97A8EA}"/>
               </a:ext>
             </a:extLst>
           </p:cNvPr>
@@ -3550,7 +3548,7 @@
           <a:lstStyle/>
           <a:p>
             <a:r>
-              <a:rPr lang="de-DE" smtClean="0"/>
+              <a:rPr lang="de-DE"/>
               <a:t>Soccer Team</a:t>
             </a:r>
             <a:endParaRPr lang="de-DE" dirty="0"/>
@@ -3562,7 +3560,7 @@
           <p:cNvPr id="4" name="Foliennummernplatzhalter 3">
             <a:extLst>
               <a:ext uri="{FF2B5EF4-FFF2-40B4-BE49-F238E27FC236}">
-                <a16:creationId xmlns:a16="http://schemas.microsoft.com/office/drawing/2014/main" xmlns="" id="{ECAC19A7-F328-409E-92C0-6618959AF8AB}"/>
+                <a16:creationId xmlns:a16="http://schemas.microsoft.com/office/drawing/2014/main" id="{ECAC19A7-F328-409E-92C0-6618959AF8AB}"/>
               </a:ext>
             </a:extLst>
           </p:cNvPr>
@@ -3588,7 +3586,7 @@
           <a:p>
             <a:fld id="{9A48FC86-4651-46AF-9E4A-D3FC30E17613}" type="slidenum">
               <a:rPr lang="de-DE" smtClean="0"/>
-              <a:t>‹N°›</a:t>
+              <a:t>‹#›</a:t>
             </a:fld>
             <a:endParaRPr lang="de-DE"/>
           </a:p>
@@ -3629,7 +3627,7 @@
           <p:cNvPr id="2" name="Titel 1">
             <a:extLst>
               <a:ext uri="{FF2B5EF4-FFF2-40B4-BE49-F238E27FC236}">
-                <a16:creationId xmlns:a16="http://schemas.microsoft.com/office/drawing/2014/main" xmlns="" id="{36B5D893-6A5A-4F5D-9559-23E40882374B}"/>
+                <a16:creationId xmlns:a16="http://schemas.microsoft.com/office/drawing/2014/main" id="{36B5D893-6A5A-4F5D-9559-23E40882374B}"/>
               </a:ext>
             </a:extLst>
           </p:cNvPr>
@@ -3666,7 +3664,7 @@
           <p:cNvPr id="3" name="Inhaltsplatzhalter 2">
             <a:extLst>
               <a:ext uri="{FF2B5EF4-FFF2-40B4-BE49-F238E27FC236}">
-                <a16:creationId xmlns:a16="http://schemas.microsoft.com/office/drawing/2014/main" xmlns="" id="{46211E4B-EF89-4D03-A97A-6EB546C0498D}"/>
+                <a16:creationId xmlns:a16="http://schemas.microsoft.com/office/drawing/2014/main" id="{46211E4B-EF89-4D03-A97A-6EB546C0498D}"/>
               </a:ext>
             </a:extLst>
           </p:cNvPr>
@@ -3756,7 +3754,7 @@
           <p:cNvPr id="4" name="Textplatzhalter 3">
             <a:extLst>
               <a:ext uri="{FF2B5EF4-FFF2-40B4-BE49-F238E27FC236}">
-                <a16:creationId xmlns:a16="http://schemas.microsoft.com/office/drawing/2014/main" xmlns="" id="{D4BEF54F-E067-4073-A803-29399235D78F}"/>
+                <a16:creationId xmlns:a16="http://schemas.microsoft.com/office/drawing/2014/main" id="{D4BEF54F-E067-4073-A803-29399235D78F}"/>
               </a:ext>
             </a:extLst>
           </p:cNvPr>
@@ -3827,7 +3825,7 @@
           <p:cNvPr id="5" name="Datumsplatzhalter 4">
             <a:extLst>
               <a:ext uri="{FF2B5EF4-FFF2-40B4-BE49-F238E27FC236}">
-                <a16:creationId xmlns:a16="http://schemas.microsoft.com/office/drawing/2014/main" xmlns="" id="{FF25F891-DBFE-4A5B-99B6-66F48C54174B}"/>
+                <a16:creationId xmlns:a16="http://schemas.microsoft.com/office/drawing/2014/main" id="{FF25F891-DBFE-4A5B-99B6-66F48C54174B}"/>
               </a:ext>
             </a:extLst>
           </p:cNvPr>
@@ -3845,7 +3843,7 @@
           <a:p>
             <a:fld id="{3C9E2B42-98C7-4122-8623-BD170366446B}" type="datetime4">
               <a:rPr lang="de-DE" smtClean="0"/>
-              <a:t>25. Juni 2020</a:t>
+              <a:t>26. Juni 2020</a:t>
             </a:fld>
             <a:endParaRPr lang="de-DE"/>
           </a:p>
@@ -3856,7 +3854,7 @@
           <p:cNvPr id="6" name="Fußzeilenplatzhalter 5">
             <a:extLst>
               <a:ext uri="{FF2B5EF4-FFF2-40B4-BE49-F238E27FC236}">
-                <a16:creationId xmlns:a16="http://schemas.microsoft.com/office/drawing/2014/main" xmlns="" id="{C508CE39-F26E-4C31-84CD-D89EC83686D4}"/>
+                <a16:creationId xmlns:a16="http://schemas.microsoft.com/office/drawing/2014/main" id="{C508CE39-F26E-4C31-84CD-D89EC83686D4}"/>
               </a:ext>
             </a:extLst>
           </p:cNvPr>
@@ -3873,7 +3871,7 @@
           <a:lstStyle/>
           <a:p>
             <a:r>
-              <a:rPr lang="de-DE" smtClean="0"/>
+              <a:rPr lang="de-DE"/>
               <a:t>Soccer Team</a:t>
             </a:r>
             <a:endParaRPr lang="de-DE" dirty="0"/>
@@ -3885,7 +3883,7 @@
           <p:cNvPr id="7" name="Foliennummernplatzhalter 6">
             <a:extLst>
               <a:ext uri="{FF2B5EF4-FFF2-40B4-BE49-F238E27FC236}">
-                <a16:creationId xmlns:a16="http://schemas.microsoft.com/office/drawing/2014/main" xmlns="" id="{5E1B48FE-614D-4BF1-8C39-73558F055C10}"/>
+                <a16:creationId xmlns:a16="http://schemas.microsoft.com/office/drawing/2014/main" id="{5E1B48FE-614D-4BF1-8C39-73558F055C10}"/>
               </a:ext>
             </a:extLst>
           </p:cNvPr>
@@ -3911,7 +3909,7 @@
           <a:p>
             <a:fld id="{9A48FC86-4651-46AF-9E4A-D3FC30E17613}" type="slidenum">
               <a:rPr lang="de-DE" smtClean="0"/>
-              <a:t>‹N°›</a:t>
+              <a:t>‹#›</a:t>
             </a:fld>
             <a:endParaRPr lang="de-DE"/>
           </a:p>
@@ -3952,7 +3950,7 @@
           <p:cNvPr id="2" name="Titel 1">
             <a:extLst>
               <a:ext uri="{FF2B5EF4-FFF2-40B4-BE49-F238E27FC236}">
-                <a16:creationId xmlns:a16="http://schemas.microsoft.com/office/drawing/2014/main" xmlns="" id="{F9563009-E30B-45AC-BDD7-44EA72F78222}"/>
+                <a16:creationId xmlns:a16="http://schemas.microsoft.com/office/drawing/2014/main" id="{F9563009-E30B-45AC-BDD7-44EA72F78222}"/>
               </a:ext>
             </a:extLst>
           </p:cNvPr>
@@ -3989,7 +3987,7 @@
           <p:cNvPr id="3" name="Bildplatzhalter 2">
             <a:extLst>
               <a:ext uri="{FF2B5EF4-FFF2-40B4-BE49-F238E27FC236}">
-                <a16:creationId xmlns:a16="http://schemas.microsoft.com/office/drawing/2014/main" xmlns="" id="{11F2FF9F-8E72-4929-BF76-ED1330B5F674}"/>
+                <a16:creationId xmlns:a16="http://schemas.microsoft.com/office/drawing/2014/main" id="{11F2FF9F-8E72-4929-BF76-ED1330B5F674}"/>
               </a:ext>
             </a:extLst>
           </p:cNvPr>
@@ -4056,7 +4054,7 @@
           <p:cNvPr id="4" name="Textplatzhalter 3">
             <a:extLst>
               <a:ext uri="{FF2B5EF4-FFF2-40B4-BE49-F238E27FC236}">
-                <a16:creationId xmlns:a16="http://schemas.microsoft.com/office/drawing/2014/main" xmlns="" id="{4A21AA90-B6A3-4F03-A71E-8D4EFEBB4E8A}"/>
+                <a16:creationId xmlns:a16="http://schemas.microsoft.com/office/drawing/2014/main" id="{4A21AA90-B6A3-4F03-A71E-8D4EFEBB4E8A}"/>
               </a:ext>
             </a:extLst>
           </p:cNvPr>
@@ -4127,7 +4125,7 @@
           <p:cNvPr id="5" name="Datumsplatzhalter 4">
             <a:extLst>
               <a:ext uri="{FF2B5EF4-FFF2-40B4-BE49-F238E27FC236}">
-                <a16:creationId xmlns:a16="http://schemas.microsoft.com/office/drawing/2014/main" xmlns="" id="{B9A970BA-F10E-430D-9B5F-218F0B6AAD68}"/>
+                <a16:creationId xmlns:a16="http://schemas.microsoft.com/office/drawing/2014/main" id="{B9A970BA-F10E-430D-9B5F-218F0B6AAD68}"/>
               </a:ext>
             </a:extLst>
           </p:cNvPr>
@@ -4145,7 +4143,7 @@
           <a:p>
             <a:fld id="{2EF11D7F-A2EB-4830-8DC8-945752783199}" type="datetime4">
               <a:rPr lang="de-DE" smtClean="0"/>
-              <a:t>25. Juni 2020</a:t>
+              <a:t>26. Juni 2020</a:t>
             </a:fld>
             <a:endParaRPr lang="de-DE"/>
           </a:p>
@@ -4156,7 +4154,7 @@
           <p:cNvPr id="6" name="Fußzeilenplatzhalter 5">
             <a:extLst>
               <a:ext uri="{FF2B5EF4-FFF2-40B4-BE49-F238E27FC236}">
-                <a16:creationId xmlns:a16="http://schemas.microsoft.com/office/drawing/2014/main" xmlns="" id="{A141BF1C-61CE-44FF-8ABE-F08D6373AD97}"/>
+                <a16:creationId xmlns:a16="http://schemas.microsoft.com/office/drawing/2014/main" id="{A141BF1C-61CE-44FF-8ABE-F08D6373AD97}"/>
               </a:ext>
             </a:extLst>
           </p:cNvPr>
@@ -4173,7 +4171,7 @@
           <a:lstStyle/>
           <a:p>
             <a:r>
-              <a:rPr lang="de-DE" smtClean="0"/>
+              <a:rPr lang="de-DE"/>
               <a:t>Soccer Team</a:t>
             </a:r>
             <a:endParaRPr lang="de-DE" dirty="0"/>
@@ -4185,7 +4183,7 @@
           <p:cNvPr id="7" name="Foliennummernplatzhalter 6">
             <a:extLst>
               <a:ext uri="{FF2B5EF4-FFF2-40B4-BE49-F238E27FC236}">
-                <a16:creationId xmlns:a16="http://schemas.microsoft.com/office/drawing/2014/main" xmlns="" id="{E76983E8-6FBA-42E6-85DE-B77806E23CA0}"/>
+                <a16:creationId xmlns:a16="http://schemas.microsoft.com/office/drawing/2014/main" id="{E76983E8-6FBA-42E6-85DE-B77806E23CA0}"/>
               </a:ext>
             </a:extLst>
           </p:cNvPr>
@@ -4211,7 +4209,7 @@
           <a:p>
             <a:fld id="{9A48FC86-4651-46AF-9E4A-D3FC30E17613}" type="slidenum">
               <a:rPr lang="de-DE" smtClean="0"/>
-              <a:t>‹N°›</a:t>
+              <a:t>‹#›</a:t>
             </a:fld>
             <a:endParaRPr lang="de-DE"/>
           </a:p>
@@ -4257,7 +4255,7 @@
           <p:cNvPr id="2" name="Titelplatzhalter 1">
             <a:extLst>
               <a:ext uri="{FF2B5EF4-FFF2-40B4-BE49-F238E27FC236}">
-                <a16:creationId xmlns:a16="http://schemas.microsoft.com/office/drawing/2014/main" xmlns="" id="{F1B54F3D-85D6-4E2A-A184-2AD8788616C7}"/>
+                <a16:creationId xmlns:a16="http://schemas.microsoft.com/office/drawing/2014/main" id="{F1B54F3D-85D6-4E2A-A184-2AD8788616C7}"/>
               </a:ext>
             </a:extLst>
           </p:cNvPr>
@@ -4295,7 +4293,7 @@
           <p:cNvPr id="3" name="Textplatzhalter 2">
             <a:extLst>
               <a:ext uri="{FF2B5EF4-FFF2-40B4-BE49-F238E27FC236}">
-                <a16:creationId xmlns:a16="http://schemas.microsoft.com/office/drawing/2014/main" xmlns="" id="{62C62B55-DAE8-4571-9836-D8A9517A6717}"/>
+                <a16:creationId xmlns:a16="http://schemas.microsoft.com/office/drawing/2014/main" id="{62C62B55-DAE8-4571-9836-D8A9517A6717}"/>
               </a:ext>
             </a:extLst>
           </p:cNvPr>
@@ -4362,7 +4360,7 @@
           <p:cNvPr id="4" name="Datumsplatzhalter 3">
             <a:extLst>
               <a:ext uri="{FF2B5EF4-FFF2-40B4-BE49-F238E27FC236}">
-                <a16:creationId xmlns:a16="http://schemas.microsoft.com/office/drawing/2014/main" xmlns="" id="{202396F9-D19B-4197-A727-060829339B6B}"/>
+                <a16:creationId xmlns:a16="http://schemas.microsoft.com/office/drawing/2014/main" id="{202396F9-D19B-4197-A727-060829339B6B}"/>
               </a:ext>
             </a:extLst>
           </p:cNvPr>
@@ -4398,7 +4396,7 @@
           <a:p>
             <a:fld id="{10DB2B58-1D08-452B-BD31-0ACF44A3F98B}" type="datetime4">
               <a:rPr lang="de-DE" smtClean="0"/>
-              <a:t>25. Juni 2020</a:t>
+              <a:t>26. Juni 2020</a:t>
             </a:fld>
             <a:endParaRPr lang="de-DE" dirty="0"/>
           </a:p>
@@ -4409,7 +4407,7 @@
           <p:cNvPr id="5" name="Fußzeilenplatzhalter 4">
             <a:extLst>
               <a:ext uri="{FF2B5EF4-FFF2-40B4-BE49-F238E27FC236}">
-                <a16:creationId xmlns:a16="http://schemas.microsoft.com/office/drawing/2014/main" xmlns="" id="{B1EA6A1B-5C13-45F1-9B85-4169FD91138A}"/>
+                <a16:creationId xmlns:a16="http://schemas.microsoft.com/office/drawing/2014/main" id="{B1EA6A1B-5C13-45F1-9B85-4169FD91138A}"/>
               </a:ext>
             </a:extLst>
           </p:cNvPr>
@@ -4444,7 +4442,7 @@
           </a:lstStyle>
           <a:p>
             <a:r>
-              <a:rPr lang="de-DE" smtClean="0"/>
+              <a:rPr lang="de-DE"/>
               <a:t>Soccer Team</a:t>
             </a:r>
             <a:endParaRPr lang="de-DE" dirty="0"/>
@@ -4456,7 +4454,7 @@
           <p:cNvPr id="7" name="Grafik 6">
             <a:extLst>
               <a:ext uri="{FF2B5EF4-FFF2-40B4-BE49-F238E27FC236}">
-                <a16:creationId xmlns:a16="http://schemas.microsoft.com/office/drawing/2014/main" xmlns="" id="{C59B35B2-0CE6-4FF9-984D-F5719598069C}"/>
+                <a16:creationId xmlns:a16="http://schemas.microsoft.com/office/drawing/2014/main" id="{C59B35B2-0CE6-4FF9-984D-F5719598069C}"/>
               </a:ext>
             </a:extLst>
           </p:cNvPr>
@@ -4492,7 +4490,7 @@
           <p:cNvPr id="8" name="Foliennummernplatzhalter 7">
             <a:extLst>
               <a:ext uri="{FF2B5EF4-FFF2-40B4-BE49-F238E27FC236}">
-                <a16:creationId xmlns:a16="http://schemas.microsoft.com/office/drawing/2014/main" xmlns="" id="{8B9E18AC-CAF1-4471-BF04-547435D80DDB}"/>
+                <a16:creationId xmlns:a16="http://schemas.microsoft.com/office/drawing/2014/main" id="{8B9E18AC-CAF1-4471-BF04-547435D80DDB}"/>
               </a:ext>
             </a:extLst>
           </p:cNvPr>
@@ -4528,7 +4526,7 @@
           <a:p>
             <a:fld id="{5999A4A4-2D96-49E3-B364-04D265390CD4}" type="slidenum">
               <a:rPr lang="de-DE" smtClean="0"/>
-              <a:t>‹N°›</a:t>
+              <a:t>‹#›</a:t>
             </a:fld>
             <a:endParaRPr lang="de-DE"/>
           </a:p>
@@ -4861,7 +4859,7 @@
           <p:cNvPr id="2" name="Titel 1">
             <a:extLst>
               <a:ext uri="{FF2B5EF4-FFF2-40B4-BE49-F238E27FC236}">
-                <a16:creationId xmlns:a16="http://schemas.microsoft.com/office/drawing/2014/main" xmlns="" id="{19B6AC69-F81D-4459-ACD2-8110FA9FCE24}"/>
+                <a16:creationId xmlns:a16="http://schemas.microsoft.com/office/drawing/2014/main" id="{19B6AC69-F81D-4459-ACD2-8110FA9FCE24}"/>
               </a:ext>
             </a:extLst>
           </p:cNvPr>
@@ -4889,7 +4887,7 @@
           <p:cNvPr id="3" name="Untertitel 2">
             <a:extLst>
               <a:ext uri="{FF2B5EF4-FFF2-40B4-BE49-F238E27FC236}">
-                <a16:creationId xmlns:a16="http://schemas.microsoft.com/office/drawing/2014/main" xmlns="" id="{13737FBA-E6BC-4517-8A74-4336C01F7072}"/>
+                <a16:creationId xmlns:a16="http://schemas.microsoft.com/office/drawing/2014/main" id="{13737FBA-E6BC-4517-8A74-4336C01F7072}"/>
               </a:ext>
             </a:extLst>
           </p:cNvPr>
@@ -4974,13 +4972,150 @@
   <p:clrMapOvr>
     <a:masterClrMapping/>
   </p:clrMapOvr>
-  <p:timing>
-    <p:tnLst>
-      <p:par>
-        <p:cTn id="1" dur="indefinite" restart="never" nodeType="tmRoot"/>
-      </p:par>
-    </p:tnLst>
-  </p:timing>
+</p:sld>
+</file>
+
+<file path=ppt/slides/slide10.xml><?xml version="1.0" encoding="utf-8"?>
+<p:sld xmlns:a="http://schemas.openxmlformats.org/drawingml/2006/main" xmlns:r="http://schemas.openxmlformats.org/officeDocument/2006/relationships" xmlns:p="http://schemas.openxmlformats.org/presentationml/2006/main">
+  <p:cSld>
+    <p:spTree>
+      <p:nvGrpSpPr>
+        <p:cNvPr id="1" name=""/>
+        <p:cNvGrpSpPr/>
+        <p:nvPr/>
+      </p:nvGrpSpPr>
+      <p:grpSpPr>
+        <a:xfrm>
+          <a:off x="0" y="0"/>
+          <a:ext cx="0" cy="0"/>
+          <a:chOff x="0" y="0"/>
+          <a:chExt cx="0" cy="0"/>
+        </a:xfrm>
+      </p:grpSpPr>
+      <p:sp>
+        <p:nvSpPr>
+          <p:cNvPr id="2" name="Titre 1"/>
+          <p:cNvSpPr>
+            <a:spLocks noGrp="1"/>
+          </p:cNvSpPr>
+          <p:nvPr>
+            <p:ph type="title"/>
+          </p:nvPr>
+        </p:nvSpPr>
+        <p:spPr/>
+        <p:txBody>
+          <a:bodyPr/>
+          <a:lstStyle/>
+          <a:p>
+            <a:r>
+              <a:rPr lang="en-US" b="1" dirty="0"/>
+              <a:t>Next Sprint</a:t>
+            </a:r>
+          </a:p>
+        </p:txBody>
+      </p:sp>
+      <p:sp>
+        <p:nvSpPr>
+          <p:cNvPr id="3" name="Espace réservé du contenu 2"/>
+          <p:cNvSpPr>
+            <a:spLocks noGrp="1"/>
+          </p:cNvSpPr>
+          <p:nvPr>
+            <p:ph idx="1"/>
+          </p:nvPr>
+        </p:nvSpPr>
+        <p:spPr/>
+        <p:txBody>
+          <a:bodyPr/>
+          <a:lstStyle/>
+          <a:p>
+            <a:pPr marL="285750" indent="-285750">
+              <a:buClr>
+                <a:schemeClr val="accent1">
+                  <a:lumMod val="75000"/>
+                </a:schemeClr>
+              </a:buClr>
+              <a:buFont typeface="Arial" panose="020B0604020202020204" pitchFamily="34" charset="0"/>
+              <a:buChar char="▌"/>
+            </a:pPr>
+            <a:r>
+              <a:rPr lang="en-US" dirty="0"/>
+              <a:t>Write the report</a:t>
+            </a:r>
+          </a:p>
+          <a:p>
+            <a:pPr marL="285750" indent="-285750">
+              <a:buClr>
+                <a:schemeClr val="accent1">
+                  <a:lumMod val="75000"/>
+                </a:schemeClr>
+              </a:buClr>
+              <a:buFont typeface="Arial" panose="020B0604020202020204" pitchFamily="34" charset="0"/>
+              <a:buChar char="▌"/>
+            </a:pPr>
+            <a:endParaRPr lang="en-US" dirty="0"/>
+          </a:p>
+          <a:p>
+            <a:endParaRPr lang="en-US" dirty="0"/>
+          </a:p>
+        </p:txBody>
+      </p:sp>
+      <p:sp>
+        <p:nvSpPr>
+          <p:cNvPr id="5" name="Espace réservé du pied de page 4"/>
+          <p:cNvSpPr>
+            <a:spLocks noGrp="1"/>
+          </p:cNvSpPr>
+          <p:nvPr>
+            <p:ph type="ftr" sz="quarter" idx="11"/>
+          </p:nvPr>
+        </p:nvSpPr>
+        <p:spPr/>
+        <p:txBody>
+          <a:bodyPr/>
+          <a:lstStyle/>
+          <a:p>
+            <a:r>
+              <a:rPr lang="de-DE"/>
+              <a:t>Soccer Team</a:t>
+            </a:r>
+            <a:endParaRPr lang="de-DE" dirty="0"/>
+          </a:p>
+        </p:txBody>
+      </p:sp>
+      <p:sp>
+        <p:nvSpPr>
+          <p:cNvPr id="4" name="Espace réservé de la date 3"/>
+          <p:cNvSpPr>
+            <a:spLocks noGrp="1"/>
+          </p:cNvSpPr>
+          <p:nvPr>
+            <p:ph type="dt" sz="half" idx="10"/>
+          </p:nvPr>
+        </p:nvSpPr>
+        <p:spPr/>
+        <p:txBody>
+          <a:bodyPr/>
+          <a:lstStyle/>
+          <a:p>
+            <a:fld id="{32C69411-F592-4EAE-B259-80DF739CD772}" type="datetime4">
+              <a:rPr lang="de-DE" smtClean="0"/>
+              <a:t>26. Juni 2020</a:t>
+            </a:fld>
+            <a:endParaRPr lang="de-DE"/>
+          </a:p>
+        </p:txBody>
+      </p:sp>
+    </p:spTree>
+    <p:extLst>
+      <p:ext uri="{BB962C8B-B14F-4D97-AF65-F5344CB8AC3E}">
+        <p14:creationId xmlns:p14="http://schemas.microsoft.com/office/powerpoint/2010/main" val="1256040228"/>
+      </p:ext>
+    </p:extLst>
+  </p:cSld>
+  <p:clrMapOvr>
+    <a:masterClrMapping/>
+  </p:clrMapOvr>
 </p:sld>
 </file>
 
@@ -5048,10 +5183,9 @@
               <a:buChar char="▌"/>
             </a:pPr>
             <a:r>
-              <a:rPr lang="en-US" dirty="0" smtClean="0"/>
+              <a:rPr lang="en-US" dirty="0"/>
               <a:t>Regression</a:t>
             </a:r>
-            <a:endParaRPr lang="en-US" dirty="0" smtClean="0"/>
           </a:p>
           <a:p>
             <a:pPr marL="285750" indent="-285750">
@@ -5064,10 +5198,9 @@
               <a:buChar char="▌"/>
             </a:pPr>
             <a:r>
-              <a:rPr lang="en-US" dirty="0" smtClean="0"/>
+              <a:rPr lang="en-US" dirty="0"/>
               <a:t>Multi-Class Classification</a:t>
             </a:r>
-            <a:endParaRPr lang="en-US" dirty="0" smtClean="0"/>
           </a:p>
           <a:p>
             <a:pPr marL="285750" indent="-285750">
@@ -5080,10 +5213,9 @@
               <a:buChar char="▌"/>
             </a:pPr>
             <a:r>
-              <a:rPr lang="en-US" dirty="0" smtClean="0"/>
+              <a:rPr lang="en-US" dirty="0"/>
               <a:t>Product</a:t>
             </a:r>
-            <a:endParaRPr lang="en-US" dirty="0" smtClean="0"/>
           </a:p>
           <a:p>
             <a:endParaRPr lang="en-US" dirty="0"/>
@@ -5106,7 +5238,7 @@
           <a:lstStyle/>
           <a:p>
             <a:r>
-              <a:rPr lang="de-DE" smtClean="0"/>
+              <a:rPr lang="de-DE"/>
               <a:t>Soccer Team</a:t>
             </a:r>
             <a:endParaRPr lang="de-DE" dirty="0"/>
@@ -5130,7 +5262,7 @@
           <a:p>
             <a:fld id="{23E0E903-28FE-4F1F-B3CD-90EE52C6B1AF}" type="datetime4">
               <a:rPr lang="de-DE" smtClean="0"/>
-              <a:t>25. Juni 2020</a:t>
+              <a:t>26. Juni 2020</a:t>
             </a:fld>
             <a:endParaRPr lang="de-DE"/>
           </a:p>
@@ -5146,13 +5278,6 @@
   <p:clrMapOvr>
     <a:masterClrMapping/>
   </p:clrMapOvr>
-  <p:timing>
-    <p:tnLst>
-      <p:par>
-        <p:cTn id="1" dur="indefinite" restart="never" nodeType="tmRoot"/>
-      </p:par>
-    </p:tnLst>
-  </p:timing>
 </p:sld>
 </file>
 
@@ -5189,18 +5314,18 @@
           <a:lstStyle/>
           <a:p>
             <a:r>
-              <a:rPr lang="en-US" b="1" dirty="0" smtClean="0"/>
+              <a:rPr lang="en-US" b="1" dirty="0"/>
               <a:t>Regression: </a:t>
             </a:r>
             <a:r>
-              <a:rPr lang="en-GB" b="1" dirty="0" smtClean="0"/>
+              <a:rPr lang="en-GB" b="1" dirty="0"/>
               <a:t>Sliding Window 02 </a:t>
             </a:r>
             <a:br>
-              <a:rPr lang="en-GB" b="1" dirty="0" smtClean="0"/>
+              <a:rPr lang="en-GB" b="1" dirty="0"/>
             </a:br>
             <a:r>
-              <a:rPr lang="en-GB" b="1" dirty="0" smtClean="0"/>
+              <a:rPr lang="en-GB" b="1" dirty="0"/>
               <a:t>(21 Features)</a:t>
             </a:r>
             <a:endParaRPr lang="en-US" b="1" dirty="0"/>
@@ -5223,7 +5348,7 @@
           <a:lstStyle/>
           <a:p>
             <a:r>
-              <a:rPr lang="de-DE" smtClean="0"/>
+              <a:rPr lang="de-DE"/>
               <a:t>Soccer Team</a:t>
             </a:r>
             <a:endParaRPr lang="de-DE" dirty="0"/>
@@ -5255,14 +5380,62 @@
                 <a:tableStyleId>{5C22544A-7EE6-4342-B048-85BDC9FD1C3A}</a:tableStyleId>
               </a:tblPr>
               <a:tblGrid>
-                <a:gridCol w="1367054"/>
-                <a:gridCol w="1901957"/>
-                <a:gridCol w="1336208"/>
-                <a:gridCol w="1187423"/>
-                <a:gridCol w="1042627"/>
-                <a:gridCol w="1042627"/>
-                <a:gridCol w="1180592"/>
-                <a:gridCol w="1236132"/>
+                <a:gridCol w="1367054">
+                  <a:extLst>
+                    <a:ext uri="{9D8B030D-6E8A-4147-A177-3AD203B41FA5}">
+                      <a16:colId xmlns:a16="http://schemas.microsoft.com/office/drawing/2014/main" val="20000"/>
+                    </a:ext>
+                  </a:extLst>
+                </a:gridCol>
+                <a:gridCol w="1901957">
+                  <a:extLst>
+                    <a:ext uri="{9D8B030D-6E8A-4147-A177-3AD203B41FA5}">
+                      <a16:colId xmlns:a16="http://schemas.microsoft.com/office/drawing/2014/main" val="20001"/>
+                    </a:ext>
+                  </a:extLst>
+                </a:gridCol>
+                <a:gridCol w="1336208">
+                  <a:extLst>
+                    <a:ext uri="{9D8B030D-6E8A-4147-A177-3AD203B41FA5}">
+                      <a16:colId xmlns:a16="http://schemas.microsoft.com/office/drawing/2014/main" val="20002"/>
+                    </a:ext>
+                  </a:extLst>
+                </a:gridCol>
+                <a:gridCol w="1187423">
+                  <a:extLst>
+                    <a:ext uri="{9D8B030D-6E8A-4147-A177-3AD203B41FA5}">
+                      <a16:colId xmlns:a16="http://schemas.microsoft.com/office/drawing/2014/main" val="20003"/>
+                    </a:ext>
+                  </a:extLst>
+                </a:gridCol>
+                <a:gridCol w="1042627">
+                  <a:extLst>
+                    <a:ext uri="{9D8B030D-6E8A-4147-A177-3AD203B41FA5}">
+                      <a16:colId xmlns:a16="http://schemas.microsoft.com/office/drawing/2014/main" val="20004"/>
+                    </a:ext>
+                  </a:extLst>
+                </a:gridCol>
+                <a:gridCol w="1042627">
+                  <a:extLst>
+                    <a:ext uri="{9D8B030D-6E8A-4147-A177-3AD203B41FA5}">
+                      <a16:colId xmlns:a16="http://schemas.microsoft.com/office/drawing/2014/main" val="20005"/>
+                    </a:ext>
+                  </a:extLst>
+                </a:gridCol>
+                <a:gridCol w="1180592">
+                  <a:extLst>
+                    <a:ext uri="{9D8B030D-6E8A-4147-A177-3AD203B41FA5}">
+                      <a16:colId xmlns:a16="http://schemas.microsoft.com/office/drawing/2014/main" val="20006"/>
+                    </a:ext>
+                  </a:extLst>
+                </a:gridCol>
+                <a:gridCol w="1236132">
+                  <a:extLst>
+                    <a:ext uri="{9D8B030D-6E8A-4147-A177-3AD203B41FA5}">
+                      <a16:colId xmlns:a16="http://schemas.microsoft.com/office/drawing/2014/main" val="20007"/>
+                    </a:ext>
+                  </a:extLst>
+                </a:gridCol>
               </a:tblGrid>
               <a:tr h="1005211">
                 <a:tc>
@@ -5311,7 +5484,7 @@
                         </a:spcAft>
                       </a:pPr>
                       <a:r>
-                        <a:rPr lang="en-US" sz="2000" dirty="0" smtClean="0">
+                        <a:rPr lang="en-US" sz="2000" dirty="0">
                           <a:effectLst/>
                           <a:latin typeface="Calibri" panose="020F0502020204030204" pitchFamily="34" charset="0"/>
                           <a:ea typeface="Calibri" panose="020F0502020204030204" pitchFamily="34" charset="0"/>
@@ -5319,12 +5492,6 @@
                         </a:rPr>
                         <a:t>Hidden Layers</a:t>
                       </a:r>
-                      <a:endParaRPr lang="en-US" sz="2000" dirty="0">
-                        <a:effectLst/>
-                        <a:latin typeface="Calibri" panose="020F0502020204030204" pitchFamily="34" charset="0"/>
-                        <a:ea typeface="Calibri" panose="020F0502020204030204" pitchFamily="34" charset="0"/>
-                        <a:cs typeface="Arial" panose="020B0604020202020204" pitchFamily="34" charset="0"/>
-                      </a:endParaRPr>
                     </a:p>
                   </a:txBody>
                   <a:tcPr marL="68580" marR="68580" marT="0" marB="0"/>
@@ -5343,7 +5510,7 @@
                         </a:spcAft>
                       </a:pPr>
                       <a:r>
-                        <a:rPr lang="en-GB" sz="2000" b="1" kern="1200" dirty="0" smtClean="0">
+                        <a:rPr lang="en-GB" sz="2000" b="1" kern="1200" dirty="0">
                           <a:solidFill>
                             <a:schemeClr val="lt1"/>
                           </a:solidFill>
@@ -5378,7 +5545,7 @@
                         </a:spcAft>
                       </a:pPr>
                       <a:r>
-                        <a:rPr lang="en-GB" sz="2000" b="1" kern="1200" dirty="0" smtClean="0">
+                        <a:rPr lang="en-GB" sz="2000" b="1" kern="1200" dirty="0">
                           <a:solidFill>
                             <a:schemeClr val="lt1"/>
                           </a:solidFill>
@@ -5390,7 +5557,7 @@
                         <a:t>Quality Model:</a:t>
                       </a:r>
                       <a:r>
-                        <a:rPr lang="en-GB" sz="2000" b="1" kern="1200" baseline="0" dirty="0" smtClean="0">
+                        <a:rPr lang="en-GB" sz="2000" b="1" kern="1200" baseline="0" dirty="0">
                           <a:solidFill>
                             <a:schemeClr val="lt1"/>
                           </a:solidFill>
@@ -5539,6 +5706,11 @@
                   </a:txBody>
                   <a:tcPr marL="68580" marR="68580" marT="0" marB="0"/>
                 </a:tc>
+                <a:extLst>
+                  <a:ext uri="{0D108BD9-81ED-4DB2-BD59-A6C34878D82A}">
+                    <a16:rowId xmlns:a16="http://schemas.microsoft.com/office/drawing/2014/main" val="10000"/>
+                  </a:ext>
+                </a:extLst>
               </a:tr>
               <a:tr h="679448">
                 <a:tc>
@@ -5587,7 +5759,7 @@
                         </a:spcAft>
                       </a:pPr>
                       <a:r>
-                        <a:rPr lang="en-US" sz="2000" dirty="0" smtClean="0">
+                        <a:rPr lang="en-US" sz="2000" dirty="0">
                           <a:effectLst/>
                           <a:latin typeface="Calibri" panose="020F0502020204030204" pitchFamily="34" charset="0"/>
                           <a:ea typeface="Calibri" panose="020F0502020204030204" pitchFamily="34" charset="0"/>
@@ -5595,12 +5767,6 @@
                         </a:rPr>
                         <a:t>30 - 20 - 10</a:t>
                       </a:r>
-                      <a:endParaRPr lang="en-US" sz="2000" dirty="0">
-                        <a:effectLst/>
-                        <a:latin typeface="Calibri" panose="020F0502020204030204" pitchFamily="34" charset="0"/>
-                        <a:ea typeface="Calibri" panose="020F0502020204030204" pitchFamily="34" charset="0"/>
-                        <a:cs typeface="Arial" panose="020B0604020202020204" pitchFamily="34" charset="0"/>
-                      </a:endParaRPr>
                     </a:p>
                   </a:txBody>
                   <a:tcPr marL="68580" marR="68580" marT="0" marB="0"/>
@@ -5797,6 +5963,11 @@
                   </a:txBody>
                   <a:tcPr marL="68580" marR="68580" marT="0" marB="0"/>
                 </a:tc>
+                <a:extLst>
+                  <a:ext uri="{0D108BD9-81ED-4DB2-BD59-A6C34878D82A}">
+                    <a16:rowId xmlns:a16="http://schemas.microsoft.com/office/drawing/2014/main" val="10001"/>
+                  </a:ext>
+                </a:extLst>
               </a:tr>
               <a:tr h="679448">
                 <a:tc>
@@ -5855,7 +6026,7 @@
                         </a:spcAft>
                       </a:pPr>
                       <a:r>
-                        <a:rPr lang="en-US" sz="2000" b="1" dirty="0" smtClean="0">
+                        <a:rPr lang="en-US" sz="2000" b="1" dirty="0">
                           <a:solidFill>
                             <a:schemeClr val="accent6">
                               <a:lumMod val="50000"/>
@@ -5868,17 +6039,6 @@
                         </a:rPr>
                         <a:t>21 – 10 - 5</a:t>
                       </a:r>
-                      <a:endParaRPr lang="en-US" sz="2000" b="1" dirty="0">
-                        <a:solidFill>
-                          <a:schemeClr val="accent6">
-                            <a:lumMod val="50000"/>
-                          </a:schemeClr>
-                        </a:solidFill>
-                        <a:effectLst/>
-                        <a:latin typeface="Calibri" panose="020F0502020204030204" pitchFamily="34" charset="0"/>
-                        <a:ea typeface="Calibri" panose="020F0502020204030204" pitchFamily="34" charset="0"/>
-                        <a:cs typeface="Arial" panose="020B0604020202020204" pitchFamily="34" charset="0"/>
-                      </a:endParaRPr>
                     </a:p>
                   </a:txBody>
                   <a:tcPr marL="68580" marR="68580" marT="0" marB="0"/>
@@ -6135,6 +6295,11 @@
                   </a:txBody>
                   <a:tcPr marL="68580" marR="68580" marT="0" marB="0"/>
                 </a:tc>
+                <a:extLst>
+                  <a:ext uri="{0D108BD9-81ED-4DB2-BD59-A6C34878D82A}">
+                    <a16:rowId xmlns:a16="http://schemas.microsoft.com/office/drawing/2014/main" val="10002"/>
+                  </a:ext>
+                </a:extLst>
               </a:tr>
               <a:tr h="679448">
                 <a:tc>
@@ -6183,7 +6348,7 @@
                         </a:spcAft>
                       </a:pPr>
                       <a:r>
-                        <a:rPr lang="en-US" sz="2000" dirty="0" smtClean="0">
+                        <a:rPr lang="en-US" sz="2000" dirty="0">
                           <a:effectLst/>
                           <a:latin typeface="Calibri" panose="020F0502020204030204" pitchFamily="34" charset="0"/>
                           <a:ea typeface="Calibri" panose="020F0502020204030204" pitchFamily="34" charset="0"/>
@@ -6191,12 +6356,6 @@
                         </a:rPr>
                         <a:t>21- 14- 12- 10</a:t>
                       </a:r>
-                      <a:endParaRPr lang="en-US" sz="2000" dirty="0">
-                        <a:effectLst/>
-                        <a:latin typeface="Calibri" panose="020F0502020204030204" pitchFamily="34" charset="0"/>
-                        <a:ea typeface="Calibri" panose="020F0502020204030204" pitchFamily="34" charset="0"/>
-                        <a:cs typeface="Arial" panose="020B0604020202020204" pitchFamily="34" charset="0"/>
-                      </a:endParaRPr>
                     </a:p>
                   </a:txBody>
                   <a:tcPr marL="68580" marR="68580" marT="0" marB="0"/>
@@ -6393,6 +6552,11 @@
                   </a:txBody>
                   <a:tcPr marL="68580" marR="68580" marT="0" marB="0"/>
                 </a:tc>
+                <a:extLst>
+                  <a:ext uri="{0D108BD9-81ED-4DB2-BD59-A6C34878D82A}">
+                    <a16:rowId xmlns:a16="http://schemas.microsoft.com/office/drawing/2014/main" val="10003"/>
+                  </a:ext>
+                </a:extLst>
               </a:tr>
             </a:tbl>
           </a:graphicData>
@@ -6464,7 +6628,7 @@
           <a:p>
             <a:fld id="{BDE6C63C-E93D-41A2-BE53-E80D877CA825}" type="datetime4">
               <a:rPr lang="de-DE" smtClean="0"/>
-              <a:t>25. Juni 2020</a:t>
+              <a:t>26. Juni 2020</a:t>
             </a:fld>
             <a:endParaRPr lang="de-DE"/>
           </a:p>
@@ -6480,13 +6644,6 @@
   <p:clrMapOvr>
     <a:masterClrMapping/>
   </p:clrMapOvr>
-  <p:timing>
-    <p:tnLst>
-      <p:par>
-        <p:cTn id="1" dur="indefinite" restart="never" nodeType="tmRoot"/>
-      </p:par>
-    </p:tnLst>
-  </p:timing>
 </p:sld>
 </file>
 
@@ -6523,18 +6680,18 @@
           <a:lstStyle/>
           <a:p>
             <a:r>
-              <a:rPr lang="en-US" b="1" dirty="0" smtClean="0"/>
+              <a:rPr lang="en-US" b="1" dirty="0"/>
               <a:t>Regression: </a:t>
             </a:r>
             <a:r>
-              <a:rPr lang="en-GB" b="1" dirty="0" smtClean="0"/>
+              <a:rPr lang="en-GB" b="1" dirty="0"/>
               <a:t>Sliding Window 03 </a:t>
             </a:r>
             <a:br>
-              <a:rPr lang="en-GB" b="1" dirty="0" smtClean="0"/>
+              <a:rPr lang="en-GB" b="1" dirty="0"/>
             </a:br>
             <a:r>
-              <a:rPr lang="en-GB" b="1" dirty="0" smtClean="0"/>
+              <a:rPr lang="en-GB" b="1" dirty="0"/>
               <a:t>(29 Features)</a:t>
             </a:r>
             <a:endParaRPr lang="en-US" b="1" dirty="0"/>
@@ -6557,7 +6714,7 @@
           <a:lstStyle/>
           <a:p>
             <a:r>
-              <a:rPr lang="de-DE" smtClean="0"/>
+              <a:rPr lang="de-DE"/>
               <a:t>Soccer Team</a:t>
             </a:r>
             <a:endParaRPr lang="de-DE" dirty="0"/>
@@ -6589,14 +6746,62 @@
                 <a:tableStyleId>{5C22544A-7EE6-4342-B048-85BDC9FD1C3A}</a:tableStyleId>
               </a:tblPr>
               <a:tblGrid>
-                <a:gridCol w="1367054"/>
-                <a:gridCol w="1901957"/>
-                <a:gridCol w="1336208"/>
-                <a:gridCol w="1187423"/>
-                <a:gridCol w="1042627"/>
-                <a:gridCol w="1042627"/>
-                <a:gridCol w="1180592"/>
-                <a:gridCol w="1236132"/>
+                <a:gridCol w="1367054">
+                  <a:extLst>
+                    <a:ext uri="{9D8B030D-6E8A-4147-A177-3AD203B41FA5}">
+                      <a16:colId xmlns:a16="http://schemas.microsoft.com/office/drawing/2014/main" val="20000"/>
+                    </a:ext>
+                  </a:extLst>
+                </a:gridCol>
+                <a:gridCol w="1901957">
+                  <a:extLst>
+                    <a:ext uri="{9D8B030D-6E8A-4147-A177-3AD203B41FA5}">
+                      <a16:colId xmlns:a16="http://schemas.microsoft.com/office/drawing/2014/main" val="20001"/>
+                    </a:ext>
+                  </a:extLst>
+                </a:gridCol>
+                <a:gridCol w="1336208">
+                  <a:extLst>
+                    <a:ext uri="{9D8B030D-6E8A-4147-A177-3AD203B41FA5}">
+                      <a16:colId xmlns:a16="http://schemas.microsoft.com/office/drawing/2014/main" val="20002"/>
+                    </a:ext>
+                  </a:extLst>
+                </a:gridCol>
+                <a:gridCol w="1187423">
+                  <a:extLst>
+                    <a:ext uri="{9D8B030D-6E8A-4147-A177-3AD203B41FA5}">
+                      <a16:colId xmlns:a16="http://schemas.microsoft.com/office/drawing/2014/main" val="20003"/>
+                    </a:ext>
+                  </a:extLst>
+                </a:gridCol>
+                <a:gridCol w="1042627">
+                  <a:extLst>
+                    <a:ext uri="{9D8B030D-6E8A-4147-A177-3AD203B41FA5}">
+                      <a16:colId xmlns:a16="http://schemas.microsoft.com/office/drawing/2014/main" val="20004"/>
+                    </a:ext>
+                  </a:extLst>
+                </a:gridCol>
+                <a:gridCol w="1042627">
+                  <a:extLst>
+                    <a:ext uri="{9D8B030D-6E8A-4147-A177-3AD203B41FA5}">
+                      <a16:colId xmlns:a16="http://schemas.microsoft.com/office/drawing/2014/main" val="20005"/>
+                    </a:ext>
+                  </a:extLst>
+                </a:gridCol>
+                <a:gridCol w="1180592">
+                  <a:extLst>
+                    <a:ext uri="{9D8B030D-6E8A-4147-A177-3AD203B41FA5}">
+                      <a16:colId xmlns:a16="http://schemas.microsoft.com/office/drawing/2014/main" val="20006"/>
+                    </a:ext>
+                  </a:extLst>
+                </a:gridCol>
+                <a:gridCol w="1236132">
+                  <a:extLst>
+                    <a:ext uri="{9D8B030D-6E8A-4147-A177-3AD203B41FA5}">
+                      <a16:colId xmlns:a16="http://schemas.microsoft.com/office/drawing/2014/main" val="20007"/>
+                    </a:ext>
+                  </a:extLst>
+                </a:gridCol>
               </a:tblGrid>
               <a:tr h="1005211">
                 <a:tc>
@@ -6645,7 +6850,7 @@
                         </a:spcAft>
                       </a:pPr>
                       <a:r>
-                        <a:rPr lang="en-US" sz="2000" dirty="0" smtClean="0">
+                        <a:rPr lang="en-US" sz="2000" dirty="0">
                           <a:effectLst/>
                           <a:latin typeface="Calibri" panose="020F0502020204030204" pitchFamily="34" charset="0"/>
                           <a:ea typeface="Calibri" panose="020F0502020204030204" pitchFamily="34" charset="0"/>
@@ -6653,12 +6858,6 @@
                         </a:rPr>
                         <a:t>Hidden Layers</a:t>
                       </a:r>
-                      <a:endParaRPr lang="en-US" sz="2000" dirty="0">
-                        <a:effectLst/>
-                        <a:latin typeface="Calibri" panose="020F0502020204030204" pitchFamily="34" charset="0"/>
-                        <a:ea typeface="Calibri" panose="020F0502020204030204" pitchFamily="34" charset="0"/>
-                        <a:cs typeface="Arial" panose="020B0604020202020204" pitchFamily="34" charset="0"/>
-                      </a:endParaRPr>
                     </a:p>
                   </a:txBody>
                   <a:tcPr marL="68580" marR="68580" marT="0" marB="0"/>
@@ -6677,7 +6876,7 @@
                         </a:spcAft>
                       </a:pPr>
                       <a:r>
-                        <a:rPr lang="en-GB" sz="2000" b="1" kern="1200" dirty="0" smtClean="0">
+                        <a:rPr lang="en-GB" sz="2000" b="1" kern="1200" dirty="0">
                           <a:solidFill>
                             <a:schemeClr val="lt1"/>
                           </a:solidFill>
@@ -6712,7 +6911,7 @@
                         </a:spcAft>
                       </a:pPr>
                       <a:r>
-                        <a:rPr lang="en-GB" sz="2000" b="1" kern="1200" dirty="0" smtClean="0">
+                        <a:rPr lang="en-GB" sz="2000" b="1" kern="1200" dirty="0">
                           <a:solidFill>
                             <a:schemeClr val="lt1"/>
                           </a:solidFill>
@@ -6724,7 +6923,7 @@
                         <a:t>Quality Model:</a:t>
                       </a:r>
                       <a:r>
-                        <a:rPr lang="en-GB" sz="2000" b="1" kern="1200" baseline="0" dirty="0" smtClean="0">
+                        <a:rPr lang="en-GB" sz="2000" b="1" kern="1200" baseline="0" dirty="0">
                           <a:solidFill>
                             <a:schemeClr val="lt1"/>
                           </a:solidFill>
@@ -6873,6 +7072,11 @@
                   </a:txBody>
                   <a:tcPr marL="68580" marR="68580" marT="0" marB="0"/>
                 </a:tc>
+                <a:extLst>
+                  <a:ext uri="{0D108BD9-81ED-4DB2-BD59-A6C34878D82A}">
+                    <a16:rowId xmlns:a16="http://schemas.microsoft.com/office/drawing/2014/main" val="10000"/>
+                  </a:ext>
+                </a:extLst>
               </a:tr>
               <a:tr h="679448">
                 <a:tc>
@@ -6921,7 +7125,7 @@
                         </a:spcAft>
                       </a:pPr>
                       <a:r>
-                        <a:rPr lang="en-US" sz="2000" dirty="0" smtClean="0">
+                        <a:rPr lang="en-US" sz="2000" dirty="0">
                           <a:effectLst/>
                           <a:latin typeface="Calibri" panose="020F0502020204030204" pitchFamily="34" charset="0"/>
                           <a:ea typeface="Calibri" panose="020F0502020204030204" pitchFamily="34" charset="0"/>
@@ -6929,12 +7133,6 @@
                         </a:rPr>
                         <a:t>30 - 20 - 10</a:t>
                       </a:r>
-                      <a:endParaRPr lang="en-US" sz="2000" dirty="0">
-                        <a:effectLst/>
-                        <a:latin typeface="Calibri" panose="020F0502020204030204" pitchFamily="34" charset="0"/>
-                        <a:ea typeface="Calibri" panose="020F0502020204030204" pitchFamily="34" charset="0"/>
-                        <a:cs typeface="Arial" panose="020B0604020202020204" pitchFamily="34" charset="0"/>
-                      </a:endParaRPr>
                     </a:p>
                   </a:txBody>
                   <a:tcPr marL="68580" marR="68580" marT="0" marB="0"/>
@@ -6953,7 +7151,7 @@
                         </a:spcAft>
                       </a:pPr>
                       <a:r>
-                        <a:rPr lang="en-GB" sz="2000" dirty="0" smtClean="0">
+                        <a:rPr lang="en-GB" sz="2000" dirty="0">
                           <a:effectLst/>
                           <a:latin typeface="Calibri" panose="020F0502020204030204" pitchFamily="34" charset="0"/>
                           <a:ea typeface="Calibri" panose="020F0502020204030204" pitchFamily="34" charset="0"/>
@@ -7081,7 +7279,7 @@
                         </a:spcAft>
                       </a:pPr>
                       <a:r>
-                        <a:rPr lang="en-GB" sz="2000" dirty="0" smtClean="0">
+                        <a:rPr lang="en-GB" sz="2000" dirty="0">
                           <a:effectLst/>
                           <a:latin typeface="Calibri" panose="020F0502020204030204" pitchFamily="34" charset="0"/>
                           <a:ea typeface="Calibri" panose="020F0502020204030204" pitchFamily="34" charset="0"/>
@@ -7131,6 +7329,11 @@
                   </a:txBody>
                   <a:tcPr marL="68580" marR="68580" marT="0" marB="0"/>
                 </a:tc>
+                <a:extLst>
+                  <a:ext uri="{0D108BD9-81ED-4DB2-BD59-A6C34878D82A}">
+                    <a16:rowId xmlns:a16="http://schemas.microsoft.com/office/drawing/2014/main" val="10001"/>
+                  </a:ext>
+                </a:extLst>
               </a:tr>
               <a:tr h="679448">
                 <a:tc>
@@ -7179,7 +7382,7 @@
                         </a:spcAft>
                       </a:pPr>
                       <a:r>
-                        <a:rPr lang="en-US" sz="2000" dirty="0" smtClean="0">
+                        <a:rPr lang="en-US" sz="2000" dirty="0">
                           <a:effectLst/>
                           <a:latin typeface="Calibri" panose="020F0502020204030204" pitchFamily="34" charset="0"/>
                           <a:ea typeface="Calibri" panose="020F0502020204030204" pitchFamily="34" charset="0"/>
@@ -7187,12 +7390,6 @@
                         </a:rPr>
                         <a:t>21 – 10 - 5</a:t>
                       </a:r>
-                      <a:endParaRPr lang="en-US" sz="2000" dirty="0">
-                        <a:effectLst/>
-                        <a:latin typeface="Calibri" panose="020F0502020204030204" pitchFamily="34" charset="0"/>
-                        <a:ea typeface="Calibri" panose="020F0502020204030204" pitchFamily="34" charset="0"/>
-                        <a:cs typeface="Arial" panose="020B0604020202020204" pitchFamily="34" charset="0"/>
-                      </a:endParaRPr>
                     </a:p>
                   </a:txBody>
                   <a:tcPr marL="68580" marR="68580" marT="0" marB="0"/>
@@ -7389,6 +7586,11 @@
                   </a:txBody>
                   <a:tcPr marL="68580" marR="68580" marT="0" marB="0"/>
                 </a:tc>
+                <a:extLst>
+                  <a:ext uri="{0D108BD9-81ED-4DB2-BD59-A6C34878D82A}">
+                    <a16:rowId xmlns:a16="http://schemas.microsoft.com/office/drawing/2014/main" val="10002"/>
+                  </a:ext>
+                </a:extLst>
               </a:tr>
               <a:tr h="679448">
                 <a:tc>
@@ -7437,7 +7639,7 @@
                         </a:spcAft>
                       </a:pPr>
                       <a:r>
-                        <a:rPr lang="en-US" sz="2000" dirty="0" smtClean="0">
+                        <a:rPr lang="en-US" sz="2000" dirty="0">
                           <a:effectLst/>
                           <a:latin typeface="Calibri" panose="020F0502020204030204" pitchFamily="34" charset="0"/>
                           <a:ea typeface="Calibri" panose="020F0502020204030204" pitchFamily="34" charset="0"/>
@@ -7445,12 +7647,6 @@
                         </a:rPr>
                         <a:t>21- 14- 12- 10</a:t>
                       </a:r>
-                      <a:endParaRPr lang="en-US" sz="2000" dirty="0">
-                        <a:effectLst/>
-                        <a:latin typeface="Calibri" panose="020F0502020204030204" pitchFamily="34" charset="0"/>
-                        <a:ea typeface="Calibri" panose="020F0502020204030204" pitchFamily="34" charset="0"/>
-                        <a:cs typeface="Arial" panose="020B0604020202020204" pitchFamily="34" charset="0"/>
-                      </a:endParaRPr>
                     </a:p>
                   </a:txBody>
                   <a:tcPr marL="68580" marR="68580" marT="0" marB="0"/>
@@ -7647,6 +7843,11 @@
                   </a:txBody>
                   <a:tcPr marL="68580" marR="68580" marT="0" marB="0"/>
                 </a:tc>
+                <a:extLst>
+                  <a:ext uri="{0D108BD9-81ED-4DB2-BD59-A6C34878D82A}">
+                    <a16:rowId xmlns:a16="http://schemas.microsoft.com/office/drawing/2014/main" val="10003"/>
+                  </a:ext>
+                </a:extLst>
               </a:tr>
             </a:tbl>
           </a:graphicData>
@@ -7744,15 +7945,7 @@
                 <a:ea typeface="Calibri" panose="020F0502020204030204" pitchFamily="34" charset="0"/>
                 <a:cs typeface="Arial" panose="020B0604020202020204" pitchFamily="34" charset="0"/>
               </a:rPr>
-              <a:t>. Also, Quality model accuracy is </a:t>
-            </a:r>
-            <a:r>
-              <a:rPr lang="en-US" dirty="0" smtClean="0">
-                <a:latin typeface="Calibri" panose="020F0502020204030204" pitchFamily="34" charset="0"/>
-                <a:ea typeface="Calibri" panose="020F0502020204030204" pitchFamily="34" charset="0"/>
-                <a:cs typeface="Arial" panose="020B0604020202020204" pitchFamily="34" charset="0"/>
-              </a:rPr>
-              <a:t>better.</a:t>
+              <a:t>. Also, Quality model accuracy is better.</a:t>
             </a:r>
             <a:endParaRPr lang="en-US" sz="3200" dirty="0">
               <a:effectLst/>
@@ -7821,7 +8014,7 @@
           <a:p>
             <a:fld id="{18973C08-ECDF-48CD-A63C-9CBA2B5C0698}" type="datetime4">
               <a:rPr lang="de-DE" smtClean="0"/>
-              <a:t>25. Juni 2020</a:t>
+              <a:t>26. Juni 2020</a:t>
             </a:fld>
             <a:endParaRPr lang="de-DE"/>
           </a:p>
@@ -7837,13 +8030,6 @@
   <p:clrMapOvr>
     <a:masterClrMapping/>
   </p:clrMapOvr>
-  <p:timing>
-    <p:tnLst>
-      <p:par>
-        <p:cTn id="1" dur="indefinite" restart="never" nodeType="tmRoot"/>
-      </p:par>
-    </p:tnLst>
-  </p:timing>
 </p:sld>
 </file>
 
@@ -7880,10 +8066,9 @@
           <a:lstStyle/>
           <a:p>
             <a:r>
-              <a:rPr lang="en-US" b="1" dirty="0" smtClean="0"/>
+              <a:rPr lang="en-US" b="1" dirty="0"/>
               <a:t>Multi-Class Classification</a:t>
             </a:r>
-            <a:endParaRPr lang="en-US" b="1" dirty="0"/>
           </a:p>
         </p:txBody>
       </p:sp>
@@ -7903,7 +8088,7 @@
           <a:lstStyle/>
           <a:p>
             <a:r>
-              <a:rPr lang="de-DE" smtClean="0"/>
+              <a:rPr lang="de-DE"/>
               <a:t>Soccer Team</a:t>
             </a:r>
             <a:endParaRPr lang="de-DE" dirty="0"/>
@@ -7927,7 +8112,7 @@
           <a:p>
             <a:fld id="{65BB1F06-C981-4372-9313-3438B46A69C0}" type="datetime4">
               <a:rPr lang="de-DE" smtClean="0"/>
-              <a:t>25. Juni 2020</a:t>
+              <a:t>26. Juni 2020</a:t>
             </a:fld>
             <a:endParaRPr lang="de-DE"/>
           </a:p>
@@ -7973,13 +8158,6 @@
   <p:clrMapOvr>
     <a:masterClrMapping/>
   </p:clrMapOvr>
-  <p:timing>
-    <p:tnLst>
-      <p:par>
-        <p:cTn id="1" dur="indefinite" restart="never" nodeType="tmRoot"/>
-      </p:par>
-    </p:tnLst>
-  </p:timing>
 </p:sld>
 </file>
 
@@ -8016,10 +8194,9 @@
           <a:lstStyle/>
           <a:p>
             <a:r>
-              <a:rPr lang="en-US" b="1" dirty="0" smtClean="0"/>
+              <a:rPr lang="en-US" b="1" dirty="0"/>
               <a:t>Multi-Class Classification</a:t>
             </a:r>
-            <a:endParaRPr lang="en-US" b="1" dirty="0"/>
           </a:p>
         </p:txBody>
       </p:sp>
@@ -8039,7 +8216,7 @@
           <a:lstStyle/>
           <a:p>
             <a:r>
-              <a:rPr lang="de-DE" smtClean="0"/>
+              <a:rPr lang="de-DE"/>
               <a:t>Soccer Team</a:t>
             </a:r>
             <a:endParaRPr lang="de-DE" dirty="0"/>
@@ -8063,7 +8240,7 @@
           <a:p>
             <a:fld id="{65BB1F06-C981-4372-9313-3438B46A69C0}" type="datetime4">
               <a:rPr lang="de-DE" smtClean="0"/>
-              <a:t>25. Juni 2020</a:t>
+              <a:t>26. Juni 2020</a:t>
             </a:fld>
             <a:endParaRPr lang="de-DE"/>
           </a:p>
@@ -8160,11 +8337,11 @@
               <a:buChar char="▌"/>
             </a:pPr>
             <a:r>
-              <a:rPr lang="en-GB" b="1" dirty="0" smtClean="0"/>
+              <a:rPr lang="en-GB" b="1" dirty="0"/>
               <a:t>Quality Model Training:</a:t>
             </a:r>
             <a:r>
-              <a:rPr lang="en-GB" dirty="0" smtClean="0"/>
+              <a:rPr lang="en-GB" dirty="0"/>
               <a:t> 80%</a:t>
             </a:r>
             <a:endParaRPr lang="en-US" dirty="0">
@@ -8197,14 +8374,10 @@
             </a:pPr>
             <a:r>
               <a:rPr lang="en-GB" b="1" dirty="0"/>
-              <a:t>Quality Model </a:t>
-            </a:r>
-            <a:r>
-              <a:rPr lang="en-GB" b="1" dirty="0" smtClean="0"/>
-              <a:t>Test: </a:t>
-            </a:r>
-            <a:r>
-              <a:rPr lang="en-GB" dirty="0" smtClean="0"/>
+              <a:t>Quality Model Test: </a:t>
+            </a:r>
+            <a:r>
+              <a:rPr lang="en-GB" dirty="0"/>
               <a:t>34%</a:t>
             </a:r>
             <a:endParaRPr lang="en-US" dirty="0">
@@ -8225,13 +8398,6 @@
   <p:clrMapOvr>
     <a:masterClrMapping/>
   </p:clrMapOvr>
-  <p:timing>
-    <p:tnLst>
-      <p:par>
-        <p:cTn id="1" dur="indefinite" restart="never" nodeType="tmRoot"/>
-      </p:par>
-    </p:tnLst>
-  </p:timing>
 </p:sld>
 </file>
 
@@ -8268,7 +8434,7 @@
           <a:lstStyle/>
           <a:p>
             <a:r>
-              <a:rPr lang="en-US" b="1" dirty="0" smtClean="0"/>
+              <a:rPr lang="en-US" b="1" dirty="0"/>
               <a:t>Product: Results prediction</a:t>
             </a:r>
             <a:endParaRPr lang="en-US" sz="4300" b="1" dirty="0"/>
@@ -8313,7 +8479,7 @@
               </a:buClr>
               <a:buNone/>
             </a:pPr>
-            <a:endParaRPr lang="en-US" dirty="0" smtClean="0"/>
+            <a:endParaRPr lang="en-US" dirty="0"/>
           </a:p>
           <a:p>
             <a:pPr marL="457200" lvl="1" indent="0">
@@ -8345,7 +8511,7 @@
           <a:lstStyle/>
           <a:p>
             <a:r>
-              <a:rPr lang="de-DE" smtClean="0"/>
+              <a:rPr lang="de-DE"/>
               <a:t>Soccer Team</a:t>
             </a:r>
             <a:endParaRPr lang="de-DE" dirty="0"/>
@@ -8399,7 +8565,7 @@
           <a:p>
             <a:fld id="{834F26E3-E7BD-406B-B79A-96366F5B248A}" type="datetime4">
               <a:rPr lang="de-DE" smtClean="0"/>
-              <a:t>25. Juni 2020</a:t>
+              <a:t>26. Juni 2020</a:t>
             </a:fld>
             <a:endParaRPr lang="de-DE"/>
           </a:p>
@@ -8415,13 +8581,6 @@
   <p:clrMapOvr>
     <a:masterClrMapping/>
   </p:clrMapOvr>
-  <p:timing>
-    <p:tnLst>
-      <p:par>
-        <p:cTn id="1" dur="indefinite" restart="never" nodeType="tmRoot"/>
-      </p:par>
-    </p:tnLst>
-  </p:timing>
 </p:sld>
 </file>
 
@@ -8458,12 +8617,8 @@
           <a:lstStyle/>
           <a:p>
             <a:r>
-              <a:rPr lang="en-US" b="1" dirty="0" smtClean="0"/>
-              <a:t>Product</a:t>
-            </a:r>
-            <a:r>
-              <a:rPr lang="en-US" b="1" dirty="0" smtClean="0"/>
-              <a:t>: Goals prediction</a:t>
+              <a:rPr lang="en-US" b="1" dirty="0"/>
+              <a:t>Product: Goals prediction</a:t>
             </a:r>
             <a:endParaRPr lang="en-US" sz="4300" b="1" dirty="0"/>
           </a:p>
@@ -8507,7 +8662,7 @@
               </a:buClr>
               <a:buNone/>
             </a:pPr>
-            <a:endParaRPr lang="en-US" dirty="0" smtClean="0"/>
+            <a:endParaRPr lang="en-US" dirty="0"/>
           </a:p>
           <a:p>
             <a:pPr marL="457200" lvl="1" indent="0">
@@ -8539,7 +8694,7 @@
           <a:lstStyle/>
           <a:p>
             <a:r>
-              <a:rPr lang="de-DE" smtClean="0"/>
+              <a:rPr lang="de-DE"/>
               <a:t>Soccer Team</a:t>
             </a:r>
             <a:endParaRPr lang="de-DE" dirty="0"/>
@@ -8593,7 +8748,7 @@
           <a:p>
             <a:fld id="{3D28EDC4-4189-433A-B6A9-657D004D511F}" type="datetime4">
               <a:rPr lang="de-DE" smtClean="0"/>
-              <a:t>25. Juni 2020</a:t>
+              <a:t>26. Juni 2020</a:t>
             </a:fld>
             <a:endParaRPr lang="de-DE"/>
           </a:p>
@@ -8609,13 +8764,6 @@
   <p:clrMapOvr>
     <a:masterClrMapping/>
   </p:clrMapOvr>
-  <p:timing>
-    <p:tnLst>
-      <p:par>
-        <p:cTn id="1" dur="indefinite" restart="never" nodeType="tmRoot"/>
-      </p:par>
-    </p:tnLst>
-  </p:timing>
 </p:sld>
 </file>
 
@@ -8638,7 +8786,13 @@
       </p:grpSpPr>
       <p:sp>
         <p:nvSpPr>
-          <p:cNvPr id="2" name="Titre 1"/>
+          <p:cNvPr id="2" name="Title 1">
+            <a:extLst>
+              <a:ext uri="{FF2B5EF4-FFF2-40B4-BE49-F238E27FC236}">
+                <a16:creationId xmlns:a16="http://schemas.microsoft.com/office/drawing/2014/main" id="{BA353684-FF9F-40E7-B5D1-6ED12F55A5A3}"/>
+              </a:ext>
+            </a:extLst>
+          </p:cNvPr>
           <p:cNvSpPr>
             <a:spLocks noGrp="1"/>
           </p:cNvSpPr>
@@ -8653,14 +8807,21 @@
           <a:p>
             <a:r>
               <a:rPr lang="en-US" b="1" dirty="0"/>
-              <a:t>Next Sprint</a:t>
-            </a:r>
-          </a:p>
-        </p:txBody>
-      </p:sp>
-      <p:sp>
-        <p:nvSpPr>
-          <p:cNvPr id="3" name="Espace réservé du contenu 2"/>
+              <a:t>New Actions</a:t>
+            </a:r>
+            <a:endParaRPr lang="en-DE" b="1" dirty="0"/>
+          </a:p>
+        </p:txBody>
+      </p:sp>
+      <p:sp>
+        <p:nvSpPr>
+          <p:cNvPr id="3" name="Content Placeholder 2">
+            <a:extLst>
+              <a:ext uri="{FF2B5EF4-FFF2-40B4-BE49-F238E27FC236}">
+                <a16:creationId xmlns:a16="http://schemas.microsoft.com/office/drawing/2014/main" id="{29E39A31-E92A-4B14-A10B-B6FF5785808F}"/>
+              </a:ext>
+            </a:extLst>
+          </p:cNvPr>
           <p:cNvSpPr>
             <a:spLocks noGrp="1"/>
           </p:cNvSpPr>
@@ -8683,10 +8844,9 @@
               <a:buChar char="▌"/>
             </a:pPr>
             <a:r>
-              <a:rPr lang="en-US" dirty="0" smtClean="0"/>
-              <a:t>Write the report</a:t>
-            </a:r>
-            <a:endParaRPr lang="en-US" dirty="0" smtClean="0"/>
+              <a:rPr lang="en-US" dirty="0"/>
+              <a:t>Change between both views</a:t>
+            </a:r>
           </a:p>
           <a:p>
             <a:pPr marL="285750" indent="-285750">
@@ -8698,21 +8858,74 @@
               <a:buFont typeface="Arial" panose="020B0604020202020204" pitchFamily="34" charset="0"/>
               <a:buChar char="▌"/>
             </a:pPr>
-            <a:endParaRPr lang="en-US" dirty="0" smtClean="0"/>
-          </a:p>
-          <a:p>
+            <a:r>
+              <a:rPr lang="en-US" dirty="0"/>
+              <a:t>Fetch new matches (including upcoming)</a:t>
+            </a:r>
+          </a:p>
+          <a:p>
+            <a:pPr marL="285750" indent="-285750">
+              <a:buClr>
+                <a:schemeClr val="accent1">
+                  <a:lumMod val="75000"/>
+                </a:schemeClr>
+              </a:buClr>
+              <a:buFont typeface="Arial" panose="020B0604020202020204" pitchFamily="34" charset="0"/>
+              <a:buChar char="▌"/>
+            </a:pPr>
+            <a:r>
+              <a:rPr lang="en-US" dirty="0"/>
+              <a:t>Retrain each model with current database (and </a:t>
+            </a:r>
+            <a:r>
+              <a:rPr lang="en-US" dirty="0" err="1"/>
+              <a:t>repredict</a:t>
+            </a:r>
+            <a:r>
+              <a:rPr lang="en-US" dirty="0"/>
+              <a:t> all)</a:t>
+            </a:r>
+          </a:p>
+          <a:p>
+            <a:pPr marL="285750" indent="-285750">
+              <a:buClr>
+                <a:schemeClr val="accent1">
+                  <a:lumMod val="75000"/>
+                </a:schemeClr>
+              </a:buClr>
+              <a:buFont typeface="Arial" panose="020B0604020202020204" pitchFamily="34" charset="0"/>
+              <a:buChar char="▌"/>
+            </a:pPr>
+            <a:r>
+              <a:rPr lang="en-US" dirty="0"/>
+              <a:t>Receive feedback </a:t>
+            </a:r>
+            <a:r>
+              <a:rPr lang="en-US"/>
+              <a:t>from backend</a:t>
+            </a:r>
             <a:endParaRPr lang="en-US" dirty="0"/>
           </a:p>
-        </p:txBody>
-      </p:sp>
-      <p:sp>
-        <p:nvSpPr>
-          <p:cNvPr id="5" name="Espace réservé du pied de page 4"/>
-          <p:cNvSpPr>
-            <a:spLocks noGrp="1"/>
-          </p:cNvSpPr>
-          <p:nvPr>
-            <p:ph type="ftr" sz="quarter" idx="11"/>
+          <a:p>
+            <a:pPr lvl="1"/>
+            <a:endParaRPr lang="en-DE" dirty="0"/>
+          </a:p>
+        </p:txBody>
+      </p:sp>
+      <p:sp>
+        <p:nvSpPr>
+          <p:cNvPr id="4" name="Date Placeholder 3">
+            <a:extLst>
+              <a:ext uri="{FF2B5EF4-FFF2-40B4-BE49-F238E27FC236}">
+                <a16:creationId xmlns:a16="http://schemas.microsoft.com/office/drawing/2014/main" id="{38863172-3392-47E2-9E8D-4B6F90897EC5}"/>
+              </a:ext>
+            </a:extLst>
+          </p:cNvPr>
+          <p:cNvSpPr>
+            <a:spLocks noGrp="1"/>
+          </p:cNvSpPr>
+          <p:nvPr>
+            <p:ph type="dt" sz="half" idx="10"/>
           </p:nvPr>
         </p:nvSpPr>
         <p:spPr/>
@@ -8720,54 +8933,53 @@
           <a:bodyPr/>
           <a:lstStyle/>
           <a:p>
-            <a:r>
+            <a:fld id="{A356702F-5C75-4EC8-9F6B-23FBBCC002AD}" type="datetime4">
               <a:rPr lang="de-DE" smtClean="0"/>
-              <a:t>Soccer Team</a:t>
-            </a:r>
-            <a:endParaRPr lang="de-DE" dirty="0"/>
-          </a:p>
-        </p:txBody>
-      </p:sp>
-      <p:sp>
-        <p:nvSpPr>
-          <p:cNvPr id="4" name="Espace réservé de la date 3"/>
-          <p:cNvSpPr>
-            <a:spLocks noGrp="1"/>
-          </p:cNvSpPr>
-          <p:nvPr>
-            <p:ph type="dt" sz="half" idx="10"/>
-          </p:nvPr>
-        </p:nvSpPr>
-        <p:spPr/>
-        <p:txBody>
-          <a:bodyPr/>
-          <a:lstStyle/>
-          <a:p>
-            <a:fld id="{32C69411-F592-4EAE-B259-80DF739CD772}" type="datetime4">
-              <a:rPr lang="de-DE" smtClean="0"/>
-              <a:t>25. Juni 2020</a:t>
+              <a:t>26. Juni 2020</a:t>
             </a:fld>
             <a:endParaRPr lang="de-DE"/>
+          </a:p>
+        </p:txBody>
+      </p:sp>
+      <p:sp>
+        <p:nvSpPr>
+          <p:cNvPr id="5" name="Footer Placeholder 4">
+            <a:extLst>
+              <a:ext uri="{FF2B5EF4-FFF2-40B4-BE49-F238E27FC236}">
+                <a16:creationId xmlns:a16="http://schemas.microsoft.com/office/drawing/2014/main" id="{746B6795-D2EB-4428-AEBD-4B0041CF4794}"/>
+              </a:ext>
+            </a:extLst>
+          </p:cNvPr>
+          <p:cNvSpPr>
+            <a:spLocks noGrp="1"/>
+          </p:cNvSpPr>
+          <p:nvPr>
+            <p:ph type="ftr" sz="quarter" idx="11"/>
+          </p:nvPr>
+        </p:nvSpPr>
+        <p:spPr/>
+        <p:txBody>
+          <a:bodyPr/>
+          <a:lstStyle/>
+          <a:p>
+            <a:r>
+              <a:rPr lang="de-DE"/>
+              <a:t>Soccer Team</a:t>
+            </a:r>
+            <a:endParaRPr lang="de-DE" dirty="0"/>
           </a:p>
         </p:txBody>
       </p:sp>
     </p:spTree>
     <p:extLst>
       <p:ext uri="{BB962C8B-B14F-4D97-AF65-F5344CB8AC3E}">
-        <p14:creationId xmlns:p14="http://schemas.microsoft.com/office/powerpoint/2010/main" val="1256040228"/>
+        <p14:creationId xmlns:p14="http://schemas.microsoft.com/office/powerpoint/2010/main" val="1890568416"/>
       </p:ext>
     </p:extLst>
   </p:cSld>
   <p:clrMapOvr>
     <a:masterClrMapping/>
   </p:clrMapOvr>
-  <p:timing>
-    <p:tnLst>
-      <p:par>
-        <p:cTn id="1" dur="indefinite" restart="never" nodeType="tmRoot"/>
-      </p:par>
-    </p:tnLst>
-  </p:timing>
 </p:sld>
 </file>
 

--- a/Daily/sprint9/Sprint9_Review.pptx
+++ b/Daily/sprint9/Sprint9_Review.pptx
@@ -1008,7 +1008,7 @@
           <a:p>
             <a:fld id="{10D08ABD-147D-43D8-AD0E-C56070E2C69D}" type="slidenum">
               <a:rPr lang="de-DE" smtClean="0"/>
-              <a:t>‹#›</a:t>
+              <a:t>‹N°›</a:t>
             </a:fld>
             <a:endParaRPr lang="de-DE"/>
           </a:p>
@@ -1492,7 +1492,7 @@
           <p:cNvPr id="2" name="Titel 1">
             <a:extLst>
               <a:ext uri="{FF2B5EF4-FFF2-40B4-BE49-F238E27FC236}">
-                <a16:creationId xmlns:a16="http://schemas.microsoft.com/office/drawing/2014/main" id="{701EABE2-81DB-4A57-87BD-BAC9B81DA953}"/>
+                <a16:creationId xmlns:a16="http://schemas.microsoft.com/office/drawing/2014/main" xmlns="" id="{701EABE2-81DB-4A57-87BD-BAC9B81DA953}"/>
               </a:ext>
             </a:extLst>
           </p:cNvPr>
@@ -1529,7 +1529,7 @@
           <p:cNvPr id="3" name="Untertitel 2">
             <a:extLst>
               <a:ext uri="{FF2B5EF4-FFF2-40B4-BE49-F238E27FC236}">
-                <a16:creationId xmlns:a16="http://schemas.microsoft.com/office/drawing/2014/main" id="{9E44B19B-9953-4462-B98C-34C559DFD4BA}"/>
+                <a16:creationId xmlns:a16="http://schemas.microsoft.com/office/drawing/2014/main" xmlns="" id="{9E44B19B-9953-4462-B98C-34C559DFD4BA}"/>
               </a:ext>
             </a:extLst>
           </p:cNvPr>
@@ -1599,7 +1599,7 @@
           <p:cNvPr id="4" name="Datumsplatzhalter 3">
             <a:extLst>
               <a:ext uri="{FF2B5EF4-FFF2-40B4-BE49-F238E27FC236}">
-                <a16:creationId xmlns:a16="http://schemas.microsoft.com/office/drawing/2014/main" id="{85282A0B-87AA-4F5C-9252-AB7E74ABF29B}"/>
+                <a16:creationId xmlns:a16="http://schemas.microsoft.com/office/drawing/2014/main" xmlns="" id="{85282A0B-87AA-4F5C-9252-AB7E74ABF29B}"/>
               </a:ext>
             </a:extLst>
           </p:cNvPr>
@@ -1628,7 +1628,7 @@
           <p:cNvPr id="5" name="Fußzeilenplatzhalter 4">
             <a:extLst>
               <a:ext uri="{FF2B5EF4-FFF2-40B4-BE49-F238E27FC236}">
-                <a16:creationId xmlns:a16="http://schemas.microsoft.com/office/drawing/2014/main" id="{CCE46F71-BCF6-41F3-8C17-381DF36140FE}"/>
+                <a16:creationId xmlns:a16="http://schemas.microsoft.com/office/drawing/2014/main" xmlns="" id="{CCE46F71-BCF6-41F3-8C17-381DF36140FE}"/>
               </a:ext>
             </a:extLst>
           </p:cNvPr>
@@ -1657,7 +1657,7 @@
           <p:cNvPr id="6" name="Foliennummernplatzhalter 5">
             <a:extLst>
               <a:ext uri="{FF2B5EF4-FFF2-40B4-BE49-F238E27FC236}">
-                <a16:creationId xmlns:a16="http://schemas.microsoft.com/office/drawing/2014/main" id="{DF41A37E-A33B-4798-9922-3B8B5AE5A27B}"/>
+                <a16:creationId xmlns:a16="http://schemas.microsoft.com/office/drawing/2014/main" xmlns="" id="{DF41A37E-A33B-4798-9922-3B8B5AE5A27B}"/>
               </a:ext>
             </a:extLst>
           </p:cNvPr>
@@ -1683,7 +1683,7 @@
           <a:p>
             <a:fld id="{9A48FC86-4651-46AF-9E4A-D3FC30E17613}" type="slidenum">
               <a:rPr lang="de-DE" smtClean="0"/>
-              <a:t>‹#›</a:t>
+              <a:t>‹N°›</a:t>
             </a:fld>
             <a:endParaRPr lang="de-DE"/>
           </a:p>
@@ -1724,7 +1724,7 @@
           <p:cNvPr id="2" name="Titel 1">
             <a:extLst>
               <a:ext uri="{FF2B5EF4-FFF2-40B4-BE49-F238E27FC236}">
-                <a16:creationId xmlns:a16="http://schemas.microsoft.com/office/drawing/2014/main" id="{FCE4A30D-3A8C-4B77-B82E-724CCF54EFD5}"/>
+                <a16:creationId xmlns:a16="http://schemas.microsoft.com/office/drawing/2014/main" xmlns="" id="{FCE4A30D-3A8C-4B77-B82E-724CCF54EFD5}"/>
               </a:ext>
             </a:extLst>
           </p:cNvPr>
@@ -1752,7 +1752,7 @@
           <p:cNvPr id="3" name="Vertikaler Textplatzhalter 2">
             <a:extLst>
               <a:ext uri="{FF2B5EF4-FFF2-40B4-BE49-F238E27FC236}">
-                <a16:creationId xmlns:a16="http://schemas.microsoft.com/office/drawing/2014/main" id="{D0312C4C-DD67-420D-AE80-FBF20CAD00FE}"/>
+                <a16:creationId xmlns:a16="http://schemas.microsoft.com/office/drawing/2014/main" xmlns="" id="{D0312C4C-DD67-420D-AE80-FBF20CAD00FE}"/>
               </a:ext>
             </a:extLst>
           </p:cNvPr>
@@ -1809,7 +1809,7 @@
           <p:cNvPr id="4" name="Datumsplatzhalter 3">
             <a:extLst>
               <a:ext uri="{FF2B5EF4-FFF2-40B4-BE49-F238E27FC236}">
-                <a16:creationId xmlns:a16="http://schemas.microsoft.com/office/drawing/2014/main" id="{752D94C2-424D-4096-8FAE-F12A3D4A5C7D}"/>
+                <a16:creationId xmlns:a16="http://schemas.microsoft.com/office/drawing/2014/main" xmlns="" id="{752D94C2-424D-4096-8FAE-F12A3D4A5C7D}"/>
               </a:ext>
             </a:extLst>
           </p:cNvPr>
@@ -1838,7 +1838,7 @@
           <p:cNvPr id="5" name="Fußzeilenplatzhalter 4">
             <a:extLst>
               <a:ext uri="{FF2B5EF4-FFF2-40B4-BE49-F238E27FC236}">
-                <a16:creationId xmlns:a16="http://schemas.microsoft.com/office/drawing/2014/main" id="{02BB29D6-C358-4D1F-90A7-5282C5CF3A2B}"/>
+                <a16:creationId xmlns:a16="http://schemas.microsoft.com/office/drawing/2014/main" xmlns="" id="{02BB29D6-C358-4D1F-90A7-5282C5CF3A2B}"/>
               </a:ext>
             </a:extLst>
           </p:cNvPr>
@@ -1866,7 +1866,7 @@
           <p:cNvPr id="6" name="Foliennummernplatzhalter 5">
             <a:extLst>
               <a:ext uri="{FF2B5EF4-FFF2-40B4-BE49-F238E27FC236}">
-                <a16:creationId xmlns:a16="http://schemas.microsoft.com/office/drawing/2014/main" id="{AE9CFC43-FC34-49A0-9C58-C1BA7EAB4CD1}"/>
+                <a16:creationId xmlns:a16="http://schemas.microsoft.com/office/drawing/2014/main" xmlns="" id="{AE9CFC43-FC34-49A0-9C58-C1BA7EAB4CD1}"/>
               </a:ext>
             </a:extLst>
           </p:cNvPr>
@@ -1892,7 +1892,7 @@
           <a:p>
             <a:fld id="{9A48FC86-4651-46AF-9E4A-D3FC30E17613}" type="slidenum">
               <a:rPr lang="de-DE" smtClean="0"/>
-              <a:t>‹#›</a:t>
+              <a:t>‹N°›</a:t>
             </a:fld>
             <a:endParaRPr lang="de-DE"/>
           </a:p>
@@ -1933,7 +1933,7 @@
           <p:cNvPr id="2" name="Vertikaler Titel 1">
             <a:extLst>
               <a:ext uri="{FF2B5EF4-FFF2-40B4-BE49-F238E27FC236}">
-                <a16:creationId xmlns:a16="http://schemas.microsoft.com/office/drawing/2014/main" id="{C6AE7126-CFA4-458D-B5F5-AA476ABB117D}"/>
+                <a16:creationId xmlns:a16="http://schemas.microsoft.com/office/drawing/2014/main" xmlns="" id="{C6AE7126-CFA4-458D-B5F5-AA476ABB117D}"/>
               </a:ext>
             </a:extLst>
           </p:cNvPr>
@@ -1966,7 +1966,7 @@
           <p:cNvPr id="3" name="Vertikaler Textplatzhalter 2">
             <a:extLst>
               <a:ext uri="{FF2B5EF4-FFF2-40B4-BE49-F238E27FC236}">
-                <a16:creationId xmlns:a16="http://schemas.microsoft.com/office/drawing/2014/main" id="{E4719945-B69E-4CB7-AF62-A8E248C097C4}"/>
+                <a16:creationId xmlns:a16="http://schemas.microsoft.com/office/drawing/2014/main" xmlns="" id="{E4719945-B69E-4CB7-AF62-A8E248C097C4}"/>
               </a:ext>
             </a:extLst>
           </p:cNvPr>
@@ -2028,7 +2028,7 @@
           <p:cNvPr id="4" name="Datumsplatzhalter 3">
             <a:extLst>
               <a:ext uri="{FF2B5EF4-FFF2-40B4-BE49-F238E27FC236}">
-                <a16:creationId xmlns:a16="http://schemas.microsoft.com/office/drawing/2014/main" id="{194C9456-1825-45D5-AFC8-7437C4E58D48}"/>
+                <a16:creationId xmlns:a16="http://schemas.microsoft.com/office/drawing/2014/main" xmlns="" id="{194C9456-1825-45D5-AFC8-7437C4E58D48}"/>
               </a:ext>
             </a:extLst>
           </p:cNvPr>
@@ -2057,7 +2057,7 @@
           <p:cNvPr id="5" name="Fußzeilenplatzhalter 4">
             <a:extLst>
               <a:ext uri="{FF2B5EF4-FFF2-40B4-BE49-F238E27FC236}">
-                <a16:creationId xmlns:a16="http://schemas.microsoft.com/office/drawing/2014/main" id="{0B1CC9B3-FE3E-4DC0-B71D-312C93D1814D}"/>
+                <a16:creationId xmlns:a16="http://schemas.microsoft.com/office/drawing/2014/main" xmlns="" id="{0B1CC9B3-FE3E-4DC0-B71D-312C93D1814D}"/>
               </a:ext>
             </a:extLst>
           </p:cNvPr>
@@ -2085,7 +2085,7 @@
           <p:cNvPr id="6" name="Foliennummernplatzhalter 5">
             <a:extLst>
               <a:ext uri="{FF2B5EF4-FFF2-40B4-BE49-F238E27FC236}">
-                <a16:creationId xmlns:a16="http://schemas.microsoft.com/office/drawing/2014/main" id="{41E050D8-C164-4E85-94F4-BA2B19D46D58}"/>
+                <a16:creationId xmlns:a16="http://schemas.microsoft.com/office/drawing/2014/main" xmlns="" id="{41E050D8-C164-4E85-94F4-BA2B19D46D58}"/>
               </a:ext>
             </a:extLst>
           </p:cNvPr>
@@ -2111,7 +2111,7 @@
           <a:p>
             <a:fld id="{9A48FC86-4651-46AF-9E4A-D3FC30E17613}" type="slidenum">
               <a:rPr lang="de-DE" smtClean="0"/>
-              <a:t>‹#›</a:t>
+              <a:t>‹N°›</a:t>
             </a:fld>
             <a:endParaRPr lang="de-DE"/>
           </a:p>
@@ -2152,7 +2152,7 @@
           <p:cNvPr id="2" name="Titel 1">
             <a:extLst>
               <a:ext uri="{FF2B5EF4-FFF2-40B4-BE49-F238E27FC236}">
-                <a16:creationId xmlns:a16="http://schemas.microsoft.com/office/drawing/2014/main" id="{C9100C2D-6625-4AF5-8937-424086BE0285}"/>
+                <a16:creationId xmlns:a16="http://schemas.microsoft.com/office/drawing/2014/main" xmlns="" id="{C9100C2D-6625-4AF5-8937-424086BE0285}"/>
               </a:ext>
             </a:extLst>
           </p:cNvPr>
@@ -2180,7 +2180,7 @@
           <p:cNvPr id="3" name="Inhaltsplatzhalter 2">
             <a:extLst>
               <a:ext uri="{FF2B5EF4-FFF2-40B4-BE49-F238E27FC236}">
-                <a16:creationId xmlns:a16="http://schemas.microsoft.com/office/drawing/2014/main" id="{38D1AAA1-BE3D-4A43-91C4-A2C3C6173375}"/>
+                <a16:creationId xmlns:a16="http://schemas.microsoft.com/office/drawing/2014/main" xmlns="" id="{38D1AAA1-BE3D-4A43-91C4-A2C3C6173375}"/>
               </a:ext>
             </a:extLst>
           </p:cNvPr>
@@ -2237,7 +2237,7 @@
           <p:cNvPr id="4" name="Datumsplatzhalter 3">
             <a:extLst>
               <a:ext uri="{FF2B5EF4-FFF2-40B4-BE49-F238E27FC236}">
-                <a16:creationId xmlns:a16="http://schemas.microsoft.com/office/drawing/2014/main" id="{48884C8B-06F5-44CC-B1D1-2A02463EC226}"/>
+                <a16:creationId xmlns:a16="http://schemas.microsoft.com/office/drawing/2014/main" xmlns="" id="{48884C8B-06F5-44CC-B1D1-2A02463EC226}"/>
               </a:ext>
             </a:extLst>
           </p:cNvPr>
@@ -2266,7 +2266,7 @@
           <p:cNvPr id="5" name="Fußzeilenplatzhalter 4">
             <a:extLst>
               <a:ext uri="{FF2B5EF4-FFF2-40B4-BE49-F238E27FC236}">
-                <a16:creationId xmlns:a16="http://schemas.microsoft.com/office/drawing/2014/main" id="{2EE480CA-0EC1-4AF7-9F30-F143FE83D99B}"/>
+                <a16:creationId xmlns:a16="http://schemas.microsoft.com/office/drawing/2014/main" xmlns="" id="{2EE480CA-0EC1-4AF7-9F30-F143FE83D99B}"/>
               </a:ext>
             </a:extLst>
           </p:cNvPr>
@@ -2295,7 +2295,7 @@
           <p:cNvPr id="6" name="Foliennummernplatzhalter 5">
             <a:extLst>
               <a:ext uri="{FF2B5EF4-FFF2-40B4-BE49-F238E27FC236}">
-                <a16:creationId xmlns:a16="http://schemas.microsoft.com/office/drawing/2014/main" id="{13337EC3-94DD-4B09-A484-F0141C1CB8B0}"/>
+                <a16:creationId xmlns:a16="http://schemas.microsoft.com/office/drawing/2014/main" xmlns="" id="{13337EC3-94DD-4B09-A484-F0141C1CB8B0}"/>
               </a:ext>
             </a:extLst>
           </p:cNvPr>
@@ -2321,7 +2321,7 @@
           <a:p>
             <a:fld id="{9A48FC86-4651-46AF-9E4A-D3FC30E17613}" type="slidenum">
               <a:rPr lang="de-DE" smtClean="0"/>
-              <a:t>‹#›</a:t>
+              <a:t>‹N°›</a:t>
             </a:fld>
             <a:endParaRPr lang="de-DE"/>
           </a:p>
@@ -2362,7 +2362,7 @@
           <p:cNvPr id="2" name="Titel 1">
             <a:extLst>
               <a:ext uri="{FF2B5EF4-FFF2-40B4-BE49-F238E27FC236}">
-                <a16:creationId xmlns:a16="http://schemas.microsoft.com/office/drawing/2014/main" id="{CBDD584A-A976-4556-9716-DA9197EACC6F}"/>
+                <a16:creationId xmlns:a16="http://schemas.microsoft.com/office/drawing/2014/main" xmlns="" id="{CBDD584A-A976-4556-9716-DA9197EACC6F}"/>
               </a:ext>
             </a:extLst>
           </p:cNvPr>
@@ -2399,7 +2399,7 @@
           <p:cNvPr id="3" name="Textplatzhalter 2">
             <a:extLst>
               <a:ext uri="{FF2B5EF4-FFF2-40B4-BE49-F238E27FC236}">
-                <a16:creationId xmlns:a16="http://schemas.microsoft.com/office/drawing/2014/main" id="{C713F004-8C3B-4899-9F30-C6CC20E50B36}"/>
+                <a16:creationId xmlns:a16="http://schemas.microsoft.com/office/drawing/2014/main" xmlns="" id="{C713F004-8C3B-4899-9F30-C6CC20E50B36}"/>
               </a:ext>
             </a:extLst>
           </p:cNvPr>
@@ -2524,7 +2524,7 @@
           <p:cNvPr id="4" name="Datumsplatzhalter 3">
             <a:extLst>
               <a:ext uri="{FF2B5EF4-FFF2-40B4-BE49-F238E27FC236}">
-                <a16:creationId xmlns:a16="http://schemas.microsoft.com/office/drawing/2014/main" id="{B300BECA-2226-430E-B31A-3A70D7FB0DD4}"/>
+                <a16:creationId xmlns:a16="http://schemas.microsoft.com/office/drawing/2014/main" xmlns="" id="{B300BECA-2226-430E-B31A-3A70D7FB0DD4}"/>
               </a:ext>
             </a:extLst>
           </p:cNvPr>
@@ -2553,7 +2553,7 @@
           <p:cNvPr id="5" name="Fußzeilenplatzhalter 4">
             <a:extLst>
               <a:ext uri="{FF2B5EF4-FFF2-40B4-BE49-F238E27FC236}">
-                <a16:creationId xmlns:a16="http://schemas.microsoft.com/office/drawing/2014/main" id="{9D2C0B24-C4C7-4E3E-A30D-AD2B22A8CAC5}"/>
+                <a16:creationId xmlns:a16="http://schemas.microsoft.com/office/drawing/2014/main" xmlns="" id="{9D2C0B24-C4C7-4E3E-A30D-AD2B22A8CAC5}"/>
               </a:ext>
             </a:extLst>
           </p:cNvPr>
@@ -2582,7 +2582,7 @@
           <p:cNvPr id="6" name="Foliennummernplatzhalter 5">
             <a:extLst>
               <a:ext uri="{FF2B5EF4-FFF2-40B4-BE49-F238E27FC236}">
-                <a16:creationId xmlns:a16="http://schemas.microsoft.com/office/drawing/2014/main" id="{15EF3485-89F1-47E8-AB99-914FE8775138}"/>
+                <a16:creationId xmlns:a16="http://schemas.microsoft.com/office/drawing/2014/main" xmlns="" id="{15EF3485-89F1-47E8-AB99-914FE8775138}"/>
               </a:ext>
             </a:extLst>
           </p:cNvPr>
@@ -2608,7 +2608,7 @@
           <a:p>
             <a:fld id="{9A48FC86-4651-46AF-9E4A-D3FC30E17613}" type="slidenum">
               <a:rPr lang="de-DE" smtClean="0"/>
-              <a:t>‹#›</a:t>
+              <a:t>‹N°›</a:t>
             </a:fld>
             <a:endParaRPr lang="de-DE"/>
           </a:p>
@@ -2649,7 +2649,7 @@
           <p:cNvPr id="2" name="Titel 1">
             <a:extLst>
               <a:ext uri="{FF2B5EF4-FFF2-40B4-BE49-F238E27FC236}">
-                <a16:creationId xmlns:a16="http://schemas.microsoft.com/office/drawing/2014/main" id="{6B45D284-4E4F-4976-80EC-400821F99BCF}"/>
+                <a16:creationId xmlns:a16="http://schemas.microsoft.com/office/drawing/2014/main" xmlns="" id="{6B45D284-4E4F-4976-80EC-400821F99BCF}"/>
               </a:ext>
             </a:extLst>
           </p:cNvPr>
@@ -2677,7 +2677,7 @@
           <p:cNvPr id="3" name="Inhaltsplatzhalter 2">
             <a:extLst>
               <a:ext uri="{FF2B5EF4-FFF2-40B4-BE49-F238E27FC236}">
-                <a16:creationId xmlns:a16="http://schemas.microsoft.com/office/drawing/2014/main" id="{61C980E4-B51F-4860-A848-EB6955BA36AF}"/>
+                <a16:creationId xmlns:a16="http://schemas.microsoft.com/office/drawing/2014/main" xmlns="" id="{61C980E4-B51F-4860-A848-EB6955BA36AF}"/>
               </a:ext>
             </a:extLst>
           </p:cNvPr>
@@ -2739,7 +2739,7 @@
           <p:cNvPr id="4" name="Inhaltsplatzhalter 3">
             <a:extLst>
               <a:ext uri="{FF2B5EF4-FFF2-40B4-BE49-F238E27FC236}">
-                <a16:creationId xmlns:a16="http://schemas.microsoft.com/office/drawing/2014/main" id="{8D7C296F-6044-4CF6-BBE5-CEA4560EEEB9}"/>
+                <a16:creationId xmlns:a16="http://schemas.microsoft.com/office/drawing/2014/main" xmlns="" id="{8D7C296F-6044-4CF6-BBE5-CEA4560EEEB9}"/>
               </a:ext>
             </a:extLst>
           </p:cNvPr>
@@ -2801,7 +2801,7 @@
           <p:cNvPr id="5" name="Datumsplatzhalter 4">
             <a:extLst>
               <a:ext uri="{FF2B5EF4-FFF2-40B4-BE49-F238E27FC236}">
-                <a16:creationId xmlns:a16="http://schemas.microsoft.com/office/drawing/2014/main" id="{F87A09FB-245D-407E-94D1-C81BBB221DC2}"/>
+                <a16:creationId xmlns:a16="http://schemas.microsoft.com/office/drawing/2014/main" xmlns="" id="{F87A09FB-245D-407E-94D1-C81BBB221DC2}"/>
               </a:ext>
             </a:extLst>
           </p:cNvPr>
@@ -2830,7 +2830,7 @@
           <p:cNvPr id="6" name="Fußzeilenplatzhalter 5">
             <a:extLst>
               <a:ext uri="{FF2B5EF4-FFF2-40B4-BE49-F238E27FC236}">
-                <a16:creationId xmlns:a16="http://schemas.microsoft.com/office/drawing/2014/main" id="{7713AD3F-FB16-4761-97DD-7D2895FBAF79}"/>
+                <a16:creationId xmlns:a16="http://schemas.microsoft.com/office/drawing/2014/main" xmlns="" id="{7713AD3F-FB16-4761-97DD-7D2895FBAF79}"/>
               </a:ext>
             </a:extLst>
           </p:cNvPr>
@@ -2859,7 +2859,7 @@
           <p:cNvPr id="7" name="Foliennummernplatzhalter 6">
             <a:extLst>
               <a:ext uri="{FF2B5EF4-FFF2-40B4-BE49-F238E27FC236}">
-                <a16:creationId xmlns:a16="http://schemas.microsoft.com/office/drawing/2014/main" id="{E08B0646-8FC5-4829-A454-55B654DBA3C4}"/>
+                <a16:creationId xmlns:a16="http://schemas.microsoft.com/office/drawing/2014/main" xmlns="" id="{E08B0646-8FC5-4829-A454-55B654DBA3C4}"/>
               </a:ext>
             </a:extLst>
           </p:cNvPr>
@@ -2885,7 +2885,7 @@
           <a:p>
             <a:fld id="{9A48FC86-4651-46AF-9E4A-D3FC30E17613}" type="slidenum">
               <a:rPr lang="de-DE" smtClean="0"/>
-              <a:t>‹#›</a:t>
+              <a:t>‹N°›</a:t>
             </a:fld>
             <a:endParaRPr lang="de-DE"/>
           </a:p>
@@ -2926,7 +2926,7 @@
           <p:cNvPr id="2" name="Titel 1">
             <a:extLst>
               <a:ext uri="{FF2B5EF4-FFF2-40B4-BE49-F238E27FC236}">
-                <a16:creationId xmlns:a16="http://schemas.microsoft.com/office/drawing/2014/main" id="{87FFCFA6-D29A-4DD6-8A93-5742D6DB0521}"/>
+                <a16:creationId xmlns:a16="http://schemas.microsoft.com/office/drawing/2014/main" xmlns="" id="{87FFCFA6-D29A-4DD6-8A93-5742D6DB0521}"/>
               </a:ext>
             </a:extLst>
           </p:cNvPr>
@@ -2959,7 +2959,7 @@
           <p:cNvPr id="3" name="Textplatzhalter 2">
             <a:extLst>
               <a:ext uri="{FF2B5EF4-FFF2-40B4-BE49-F238E27FC236}">
-                <a16:creationId xmlns:a16="http://schemas.microsoft.com/office/drawing/2014/main" id="{52A062D5-F9A3-40F3-940E-784410DB79B5}"/>
+                <a16:creationId xmlns:a16="http://schemas.microsoft.com/office/drawing/2014/main" xmlns="" id="{52A062D5-F9A3-40F3-940E-784410DB79B5}"/>
               </a:ext>
             </a:extLst>
           </p:cNvPr>
@@ -3030,7 +3030,7 @@
           <p:cNvPr id="4" name="Inhaltsplatzhalter 3">
             <a:extLst>
               <a:ext uri="{FF2B5EF4-FFF2-40B4-BE49-F238E27FC236}">
-                <a16:creationId xmlns:a16="http://schemas.microsoft.com/office/drawing/2014/main" id="{0F2C725F-CDA6-419C-9990-237B92011EB3}"/>
+                <a16:creationId xmlns:a16="http://schemas.microsoft.com/office/drawing/2014/main" xmlns="" id="{0F2C725F-CDA6-419C-9990-237B92011EB3}"/>
               </a:ext>
             </a:extLst>
           </p:cNvPr>
@@ -3092,7 +3092,7 @@
           <p:cNvPr id="5" name="Textplatzhalter 4">
             <a:extLst>
               <a:ext uri="{FF2B5EF4-FFF2-40B4-BE49-F238E27FC236}">
-                <a16:creationId xmlns:a16="http://schemas.microsoft.com/office/drawing/2014/main" id="{57D0AB86-7ACC-4F81-BA1E-EABC81375E4C}"/>
+                <a16:creationId xmlns:a16="http://schemas.microsoft.com/office/drawing/2014/main" xmlns="" id="{57D0AB86-7ACC-4F81-BA1E-EABC81375E4C}"/>
               </a:ext>
             </a:extLst>
           </p:cNvPr>
@@ -3163,7 +3163,7 @@
           <p:cNvPr id="6" name="Inhaltsplatzhalter 5">
             <a:extLst>
               <a:ext uri="{FF2B5EF4-FFF2-40B4-BE49-F238E27FC236}">
-                <a16:creationId xmlns:a16="http://schemas.microsoft.com/office/drawing/2014/main" id="{1A5FCBEC-2F64-4023-881F-8C2D77F12391}"/>
+                <a16:creationId xmlns:a16="http://schemas.microsoft.com/office/drawing/2014/main" xmlns="" id="{1A5FCBEC-2F64-4023-881F-8C2D77F12391}"/>
               </a:ext>
             </a:extLst>
           </p:cNvPr>
@@ -3225,7 +3225,7 @@
           <p:cNvPr id="7" name="Datumsplatzhalter 6">
             <a:extLst>
               <a:ext uri="{FF2B5EF4-FFF2-40B4-BE49-F238E27FC236}">
-                <a16:creationId xmlns:a16="http://schemas.microsoft.com/office/drawing/2014/main" id="{1B579458-8146-4585-8116-8815B1984C10}"/>
+                <a16:creationId xmlns:a16="http://schemas.microsoft.com/office/drawing/2014/main" xmlns="" id="{1B579458-8146-4585-8116-8815B1984C10}"/>
               </a:ext>
             </a:extLst>
           </p:cNvPr>
@@ -3254,7 +3254,7 @@
           <p:cNvPr id="8" name="Fußzeilenplatzhalter 7">
             <a:extLst>
               <a:ext uri="{FF2B5EF4-FFF2-40B4-BE49-F238E27FC236}">
-                <a16:creationId xmlns:a16="http://schemas.microsoft.com/office/drawing/2014/main" id="{B8FE971A-3252-4BEE-AE2A-ED9DD64D786C}"/>
+                <a16:creationId xmlns:a16="http://schemas.microsoft.com/office/drawing/2014/main" xmlns="" id="{B8FE971A-3252-4BEE-AE2A-ED9DD64D786C}"/>
               </a:ext>
             </a:extLst>
           </p:cNvPr>
@@ -3283,7 +3283,7 @@
           <p:cNvPr id="9" name="Foliennummernplatzhalter 8">
             <a:extLst>
               <a:ext uri="{FF2B5EF4-FFF2-40B4-BE49-F238E27FC236}">
-                <a16:creationId xmlns:a16="http://schemas.microsoft.com/office/drawing/2014/main" id="{224F811E-098E-42CD-BF79-561DBDB14DE9}"/>
+                <a16:creationId xmlns:a16="http://schemas.microsoft.com/office/drawing/2014/main" xmlns="" id="{224F811E-098E-42CD-BF79-561DBDB14DE9}"/>
               </a:ext>
             </a:extLst>
           </p:cNvPr>
@@ -3309,7 +3309,7 @@
           <a:p>
             <a:fld id="{9A48FC86-4651-46AF-9E4A-D3FC30E17613}" type="slidenum">
               <a:rPr lang="de-DE" smtClean="0"/>
-              <a:t>‹#›</a:t>
+              <a:t>‹N°›</a:t>
             </a:fld>
             <a:endParaRPr lang="de-DE"/>
           </a:p>
@@ -3350,7 +3350,7 @@
           <p:cNvPr id="2" name="Titel 1">
             <a:extLst>
               <a:ext uri="{FF2B5EF4-FFF2-40B4-BE49-F238E27FC236}">
-                <a16:creationId xmlns:a16="http://schemas.microsoft.com/office/drawing/2014/main" id="{466DE76C-FB01-463F-B2AD-A897695D3F41}"/>
+                <a16:creationId xmlns:a16="http://schemas.microsoft.com/office/drawing/2014/main" xmlns="" id="{466DE76C-FB01-463F-B2AD-A897695D3F41}"/>
               </a:ext>
             </a:extLst>
           </p:cNvPr>
@@ -3378,7 +3378,7 @@
           <p:cNvPr id="3" name="Datumsplatzhalter 2">
             <a:extLst>
               <a:ext uri="{FF2B5EF4-FFF2-40B4-BE49-F238E27FC236}">
-                <a16:creationId xmlns:a16="http://schemas.microsoft.com/office/drawing/2014/main" id="{6F7936C0-FCFE-4A57-9E63-31F514892227}"/>
+                <a16:creationId xmlns:a16="http://schemas.microsoft.com/office/drawing/2014/main" xmlns="" id="{6F7936C0-FCFE-4A57-9E63-31F514892227}"/>
               </a:ext>
             </a:extLst>
           </p:cNvPr>
@@ -3407,7 +3407,7 @@
           <p:cNvPr id="4" name="Fußzeilenplatzhalter 3">
             <a:extLst>
               <a:ext uri="{FF2B5EF4-FFF2-40B4-BE49-F238E27FC236}">
-                <a16:creationId xmlns:a16="http://schemas.microsoft.com/office/drawing/2014/main" id="{BF4C0BEA-1F74-43B8-B16A-0B93A98AF74A}"/>
+                <a16:creationId xmlns:a16="http://schemas.microsoft.com/office/drawing/2014/main" xmlns="" id="{BF4C0BEA-1F74-43B8-B16A-0B93A98AF74A}"/>
               </a:ext>
             </a:extLst>
           </p:cNvPr>
@@ -3435,7 +3435,7 @@
           <p:cNvPr id="5" name="Foliennummernplatzhalter 4">
             <a:extLst>
               <a:ext uri="{FF2B5EF4-FFF2-40B4-BE49-F238E27FC236}">
-                <a16:creationId xmlns:a16="http://schemas.microsoft.com/office/drawing/2014/main" id="{FDC612F2-A418-4792-A4B4-C0ABBAAB10A0}"/>
+                <a16:creationId xmlns:a16="http://schemas.microsoft.com/office/drawing/2014/main" xmlns="" id="{FDC612F2-A418-4792-A4B4-C0ABBAAB10A0}"/>
               </a:ext>
             </a:extLst>
           </p:cNvPr>
@@ -3461,7 +3461,7 @@
           <a:p>
             <a:fld id="{9A48FC86-4651-46AF-9E4A-D3FC30E17613}" type="slidenum">
               <a:rPr lang="de-DE" smtClean="0"/>
-              <a:t>‹#›</a:t>
+              <a:t>‹N°›</a:t>
             </a:fld>
             <a:endParaRPr lang="de-DE"/>
           </a:p>
@@ -3502,7 +3502,7 @@
           <p:cNvPr id="2" name="Datumsplatzhalter 1">
             <a:extLst>
               <a:ext uri="{FF2B5EF4-FFF2-40B4-BE49-F238E27FC236}">
-                <a16:creationId xmlns:a16="http://schemas.microsoft.com/office/drawing/2014/main" id="{F1A16BA6-C843-4946-87C4-F009F9659E53}"/>
+                <a16:creationId xmlns:a16="http://schemas.microsoft.com/office/drawing/2014/main" xmlns="" id="{F1A16BA6-C843-4946-87C4-F009F9659E53}"/>
               </a:ext>
             </a:extLst>
           </p:cNvPr>
@@ -3531,7 +3531,7 @@
           <p:cNvPr id="3" name="Fußzeilenplatzhalter 2">
             <a:extLst>
               <a:ext uri="{FF2B5EF4-FFF2-40B4-BE49-F238E27FC236}">
-                <a16:creationId xmlns:a16="http://schemas.microsoft.com/office/drawing/2014/main" id="{74AD0BED-584B-4312-BC56-F22A5A97A8EA}"/>
+                <a16:creationId xmlns:a16="http://schemas.microsoft.com/office/drawing/2014/main" xmlns="" id="{74AD0BED-584B-4312-BC56-F22A5A97A8EA}"/>
               </a:ext>
             </a:extLst>
           </p:cNvPr>
@@ -3560,7 +3560,7 @@
           <p:cNvPr id="4" name="Foliennummernplatzhalter 3">
             <a:extLst>
               <a:ext uri="{FF2B5EF4-FFF2-40B4-BE49-F238E27FC236}">
-                <a16:creationId xmlns:a16="http://schemas.microsoft.com/office/drawing/2014/main" id="{ECAC19A7-F328-409E-92C0-6618959AF8AB}"/>
+                <a16:creationId xmlns:a16="http://schemas.microsoft.com/office/drawing/2014/main" xmlns="" id="{ECAC19A7-F328-409E-92C0-6618959AF8AB}"/>
               </a:ext>
             </a:extLst>
           </p:cNvPr>
@@ -3586,7 +3586,7 @@
           <a:p>
             <a:fld id="{9A48FC86-4651-46AF-9E4A-D3FC30E17613}" type="slidenum">
               <a:rPr lang="de-DE" smtClean="0"/>
-              <a:t>‹#›</a:t>
+              <a:t>‹N°›</a:t>
             </a:fld>
             <a:endParaRPr lang="de-DE"/>
           </a:p>
@@ -3627,7 +3627,7 @@
           <p:cNvPr id="2" name="Titel 1">
             <a:extLst>
               <a:ext uri="{FF2B5EF4-FFF2-40B4-BE49-F238E27FC236}">
-                <a16:creationId xmlns:a16="http://schemas.microsoft.com/office/drawing/2014/main" id="{36B5D893-6A5A-4F5D-9559-23E40882374B}"/>
+                <a16:creationId xmlns:a16="http://schemas.microsoft.com/office/drawing/2014/main" xmlns="" id="{36B5D893-6A5A-4F5D-9559-23E40882374B}"/>
               </a:ext>
             </a:extLst>
           </p:cNvPr>
@@ -3664,7 +3664,7 @@
           <p:cNvPr id="3" name="Inhaltsplatzhalter 2">
             <a:extLst>
               <a:ext uri="{FF2B5EF4-FFF2-40B4-BE49-F238E27FC236}">
-                <a16:creationId xmlns:a16="http://schemas.microsoft.com/office/drawing/2014/main" id="{46211E4B-EF89-4D03-A97A-6EB546C0498D}"/>
+                <a16:creationId xmlns:a16="http://schemas.microsoft.com/office/drawing/2014/main" xmlns="" id="{46211E4B-EF89-4D03-A97A-6EB546C0498D}"/>
               </a:ext>
             </a:extLst>
           </p:cNvPr>
@@ -3754,7 +3754,7 @@
           <p:cNvPr id="4" name="Textplatzhalter 3">
             <a:extLst>
               <a:ext uri="{FF2B5EF4-FFF2-40B4-BE49-F238E27FC236}">
-                <a16:creationId xmlns:a16="http://schemas.microsoft.com/office/drawing/2014/main" id="{D4BEF54F-E067-4073-A803-29399235D78F}"/>
+                <a16:creationId xmlns:a16="http://schemas.microsoft.com/office/drawing/2014/main" xmlns="" id="{D4BEF54F-E067-4073-A803-29399235D78F}"/>
               </a:ext>
             </a:extLst>
           </p:cNvPr>
@@ -3825,7 +3825,7 @@
           <p:cNvPr id="5" name="Datumsplatzhalter 4">
             <a:extLst>
               <a:ext uri="{FF2B5EF4-FFF2-40B4-BE49-F238E27FC236}">
-                <a16:creationId xmlns:a16="http://schemas.microsoft.com/office/drawing/2014/main" id="{FF25F891-DBFE-4A5B-99B6-66F48C54174B}"/>
+                <a16:creationId xmlns:a16="http://schemas.microsoft.com/office/drawing/2014/main" xmlns="" id="{FF25F891-DBFE-4A5B-99B6-66F48C54174B}"/>
               </a:ext>
             </a:extLst>
           </p:cNvPr>
@@ -3854,7 +3854,7 @@
           <p:cNvPr id="6" name="Fußzeilenplatzhalter 5">
             <a:extLst>
               <a:ext uri="{FF2B5EF4-FFF2-40B4-BE49-F238E27FC236}">
-                <a16:creationId xmlns:a16="http://schemas.microsoft.com/office/drawing/2014/main" id="{C508CE39-F26E-4C31-84CD-D89EC83686D4}"/>
+                <a16:creationId xmlns:a16="http://schemas.microsoft.com/office/drawing/2014/main" xmlns="" id="{C508CE39-F26E-4C31-84CD-D89EC83686D4}"/>
               </a:ext>
             </a:extLst>
           </p:cNvPr>
@@ -3883,7 +3883,7 @@
           <p:cNvPr id="7" name="Foliennummernplatzhalter 6">
             <a:extLst>
               <a:ext uri="{FF2B5EF4-FFF2-40B4-BE49-F238E27FC236}">
-                <a16:creationId xmlns:a16="http://schemas.microsoft.com/office/drawing/2014/main" id="{5E1B48FE-614D-4BF1-8C39-73558F055C10}"/>
+                <a16:creationId xmlns:a16="http://schemas.microsoft.com/office/drawing/2014/main" xmlns="" id="{5E1B48FE-614D-4BF1-8C39-73558F055C10}"/>
               </a:ext>
             </a:extLst>
           </p:cNvPr>
@@ -3909,7 +3909,7 @@
           <a:p>
             <a:fld id="{9A48FC86-4651-46AF-9E4A-D3FC30E17613}" type="slidenum">
               <a:rPr lang="de-DE" smtClean="0"/>
-              <a:t>‹#›</a:t>
+              <a:t>‹N°›</a:t>
             </a:fld>
             <a:endParaRPr lang="de-DE"/>
           </a:p>
@@ -3950,7 +3950,7 @@
           <p:cNvPr id="2" name="Titel 1">
             <a:extLst>
               <a:ext uri="{FF2B5EF4-FFF2-40B4-BE49-F238E27FC236}">
-                <a16:creationId xmlns:a16="http://schemas.microsoft.com/office/drawing/2014/main" id="{F9563009-E30B-45AC-BDD7-44EA72F78222}"/>
+                <a16:creationId xmlns:a16="http://schemas.microsoft.com/office/drawing/2014/main" xmlns="" id="{F9563009-E30B-45AC-BDD7-44EA72F78222}"/>
               </a:ext>
             </a:extLst>
           </p:cNvPr>
@@ -3987,7 +3987,7 @@
           <p:cNvPr id="3" name="Bildplatzhalter 2">
             <a:extLst>
               <a:ext uri="{FF2B5EF4-FFF2-40B4-BE49-F238E27FC236}">
-                <a16:creationId xmlns:a16="http://schemas.microsoft.com/office/drawing/2014/main" id="{11F2FF9F-8E72-4929-BF76-ED1330B5F674}"/>
+                <a16:creationId xmlns:a16="http://schemas.microsoft.com/office/drawing/2014/main" xmlns="" id="{11F2FF9F-8E72-4929-BF76-ED1330B5F674}"/>
               </a:ext>
             </a:extLst>
           </p:cNvPr>
@@ -4054,7 +4054,7 @@
           <p:cNvPr id="4" name="Textplatzhalter 3">
             <a:extLst>
               <a:ext uri="{FF2B5EF4-FFF2-40B4-BE49-F238E27FC236}">
-                <a16:creationId xmlns:a16="http://schemas.microsoft.com/office/drawing/2014/main" id="{4A21AA90-B6A3-4F03-A71E-8D4EFEBB4E8A}"/>
+                <a16:creationId xmlns:a16="http://schemas.microsoft.com/office/drawing/2014/main" xmlns="" id="{4A21AA90-B6A3-4F03-A71E-8D4EFEBB4E8A}"/>
               </a:ext>
             </a:extLst>
           </p:cNvPr>
@@ -4125,7 +4125,7 @@
           <p:cNvPr id="5" name="Datumsplatzhalter 4">
             <a:extLst>
               <a:ext uri="{FF2B5EF4-FFF2-40B4-BE49-F238E27FC236}">
-                <a16:creationId xmlns:a16="http://schemas.microsoft.com/office/drawing/2014/main" id="{B9A970BA-F10E-430D-9B5F-218F0B6AAD68}"/>
+                <a16:creationId xmlns:a16="http://schemas.microsoft.com/office/drawing/2014/main" xmlns="" id="{B9A970BA-F10E-430D-9B5F-218F0B6AAD68}"/>
               </a:ext>
             </a:extLst>
           </p:cNvPr>
@@ -4154,7 +4154,7 @@
           <p:cNvPr id="6" name="Fußzeilenplatzhalter 5">
             <a:extLst>
               <a:ext uri="{FF2B5EF4-FFF2-40B4-BE49-F238E27FC236}">
-                <a16:creationId xmlns:a16="http://schemas.microsoft.com/office/drawing/2014/main" id="{A141BF1C-61CE-44FF-8ABE-F08D6373AD97}"/>
+                <a16:creationId xmlns:a16="http://schemas.microsoft.com/office/drawing/2014/main" xmlns="" id="{A141BF1C-61CE-44FF-8ABE-F08D6373AD97}"/>
               </a:ext>
             </a:extLst>
           </p:cNvPr>
@@ -4183,7 +4183,7 @@
           <p:cNvPr id="7" name="Foliennummernplatzhalter 6">
             <a:extLst>
               <a:ext uri="{FF2B5EF4-FFF2-40B4-BE49-F238E27FC236}">
-                <a16:creationId xmlns:a16="http://schemas.microsoft.com/office/drawing/2014/main" id="{E76983E8-6FBA-42E6-85DE-B77806E23CA0}"/>
+                <a16:creationId xmlns:a16="http://schemas.microsoft.com/office/drawing/2014/main" xmlns="" id="{E76983E8-6FBA-42E6-85DE-B77806E23CA0}"/>
               </a:ext>
             </a:extLst>
           </p:cNvPr>
@@ -4209,7 +4209,7 @@
           <a:p>
             <a:fld id="{9A48FC86-4651-46AF-9E4A-D3FC30E17613}" type="slidenum">
               <a:rPr lang="de-DE" smtClean="0"/>
-              <a:t>‹#›</a:t>
+              <a:t>‹N°›</a:t>
             </a:fld>
             <a:endParaRPr lang="de-DE"/>
           </a:p>
@@ -4255,7 +4255,7 @@
           <p:cNvPr id="2" name="Titelplatzhalter 1">
             <a:extLst>
               <a:ext uri="{FF2B5EF4-FFF2-40B4-BE49-F238E27FC236}">
-                <a16:creationId xmlns:a16="http://schemas.microsoft.com/office/drawing/2014/main" id="{F1B54F3D-85D6-4E2A-A184-2AD8788616C7}"/>
+                <a16:creationId xmlns:a16="http://schemas.microsoft.com/office/drawing/2014/main" xmlns="" id="{F1B54F3D-85D6-4E2A-A184-2AD8788616C7}"/>
               </a:ext>
             </a:extLst>
           </p:cNvPr>
@@ -4293,7 +4293,7 @@
           <p:cNvPr id="3" name="Textplatzhalter 2">
             <a:extLst>
               <a:ext uri="{FF2B5EF4-FFF2-40B4-BE49-F238E27FC236}">
-                <a16:creationId xmlns:a16="http://schemas.microsoft.com/office/drawing/2014/main" id="{62C62B55-DAE8-4571-9836-D8A9517A6717}"/>
+                <a16:creationId xmlns:a16="http://schemas.microsoft.com/office/drawing/2014/main" xmlns="" id="{62C62B55-DAE8-4571-9836-D8A9517A6717}"/>
               </a:ext>
             </a:extLst>
           </p:cNvPr>
@@ -4360,7 +4360,7 @@
           <p:cNvPr id="4" name="Datumsplatzhalter 3">
             <a:extLst>
               <a:ext uri="{FF2B5EF4-FFF2-40B4-BE49-F238E27FC236}">
-                <a16:creationId xmlns:a16="http://schemas.microsoft.com/office/drawing/2014/main" id="{202396F9-D19B-4197-A727-060829339B6B}"/>
+                <a16:creationId xmlns:a16="http://schemas.microsoft.com/office/drawing/2014/main" xmlns="" id="{202396F9-D19B-4197-A727-060829339B6B}"/>
               </a:ext>
             </a:extLst>
           </p:cNvPr>
@@ -4407,7 +4407,7 @@
           <p:cNvPr id="5" name="Fußzeilenplatzhalter 4">
             <a:extLst>
               <a:ext uri="{FF2B5EF4-FFF2-40B4-BE49-F238E27FC236}">
-                <a16:creationId xmlns:a16="http://schemas.microsoft.com/office/drawing/2014/main" id="{B1EA6A1B-5C13-45F1-9B85-4169FD91138A}"/>
+                <a16:creationId xmlns:a16="http://schemas.microsoft.com/office/drawing/2014/main" xmlns="" id="{B1EA6A1B-5C13-45F1-9B85-4169FD91138A}"/>
               </a:ext>
             </a:extLst>
           </p:cNvPr>
@@ -4454,7 +4454,7 @@
           <p:cNvPr id="7" name="Grafik 6">
             <a:extLst>
               <a:ext uri="{FF2B5EF4-FFF2-40B4-BE49-F238E27FC236}">
-                <a16:creationId xmlns:a16="http://schemas.microsoft.com/office/drawing/2014/main" id="{C59B35B2-0CE6-4FF9-984D-F5719598069C}"/>
+                <a16:creationId xmlns:a16="http://schemas.microsoft.com/office/drawing/2014/main" xmlns="" id="{C59B35B2-0CE6-4FF9-984D-F5719598069C}"/>
               </a:ext>
             </a:extLst>
           </p:cNvPr>
@@ -4490,7 +4490,7 @@
           <p:cNvPr id="8" name="Foliennummernplatzhalter 7">
             <a:extLst>
               <a:ext uri="{FF2B5EF4-FFF2-40B4-BE49-F238E27FC236}">
-                <a16:creationId xmlns:a16="http://schemas.microsoft.com/office/drawing/2014/main" id="{8B9E18AC-CAF1-4471-BF04-547435D80DDB}"/>
+                <a16:creationId xmlns:a16="http://schemas.microsoft.com/office/drawing/2014/main" xmlns="" id="{8B9E18AC-CAF1-4471-BF04-547435D80DDB}"/>
               </a:ext>
             </a:extLst>
           </p:cNvPr>
@@ -4526,7 +4526,7 @@
           <a:p>
             <a:fld id="{5999A4A4-2D96-49E3-B364-04D265390CD4}" type="slidenum">
               <a:rPr lang="de-DE" smtClean="0"/>
-              <a:t>‹#›</a:t>
+              <a:t>‹N°›</a:t>
             </a:fld>
             <a:endParaRPr lang="de-DE"/>
           </a:p>
@@ -4859,7 +4859,7 @@
           <p:cNvPr id="2" name="Titel 1">
             <a:extLst>
               <a:ext uri="{FF2B5EF4-FFF2-40B4-BE49-F238E27FC236}">
-                <a16:creationId xmlns:a16="http://schemas.microsoft.com/office/drawing/2014/main" id="{19B6AC69-F81D-4459-ACD2-8110FA9FCE24}"/>
+                <a16:creationId xmlns:a16="http://schemas.microsoft.com/office/drawing/2014/main" xmlns="" id="{19B6AC69-F81D-4459-ACD2-8110FA9FCE24}"/>
               </a:ext>
             </a:extLst>
           </p:cNvPr>
@@ -4887,7 +4887,7 @@
           <p:cNvPr id="3" name="Untertitel 2">
             <a:extLst>
               <a:ext uri="{FF2B5EF4-FFF2-40B4-BE49-F238E27FC236}">
-                <a16:creationId xmlns:a16="http://schemas.microsoft.com/office/drawing/2014/main" id="{13737FBA-E6BC-4517-8A74-4336C01F7072}"/>
+                <a16:creationId xmlns:a16="http://schemas.microsoft.com/office/drawing/2014/main" xmlns="" id="{13737FBA-E6BC-4517-8A74-4336C01F7072}"/>
               </a:ext>
             </a:extLst>
           </p:cNvPr>
@@ -4972,6 +4972,13 @@
   <p:clrMapOvr>
     <a:masterClrMapping/>
   </p:clrMapOvr>
+  <p:timing>
+    <p:tnLst>
+      <p:par>
+        <p:cTn id="1" dur="indefinite" restart="never" nodeType="tmRoot"/>
+      </p:par>
+    </p:tnLst>
+  </p:timing>
 </p:sld>
 </file>
 
@@ -5116,6 +5123,13 @@
   <p:clrMapOvr>
     <a:masterClrMapping/>
   </p:clrMapOvr>
+  <p:timing>
+    <p:tnLst>
+      <p:par>
+        <p:cTn id="1" dur="indefinite" restart="never" nodeType="tmRoot"/>
+      </p:par>
+    </p:tnLst>
+  </p:timing>
 </p:sld>
 </file>
 
@@ -5278,6 +5292,13 @@
   <p:clrMapOvr>
     <a:masterClrMapping/>
   </p:clrMapOvr>
+  <p:timing>
+    <p:tnLst>
+      <p:par>
+        <p:cTn id="1" dur="indefinite" restart="never" nodeType="tmRoot"/>
+      </p:par>
+    </p:tnLst>
+  </p:timing>
 </p:sld>
 </file>
 
@@ -5383,56 +5404,56 @@
                 <a:gridCol w="1367054">
                   <a:extLst>
                     <a:ext uri="{9D8B030D-6E8A-4147-A177-3AD203B41FA5}">
-                      <a16:colId xmlns:a16="http://schemas.microsoft.com/office/drawing/2014/main" val="20000"/>
+                      <a16:colId xmlns:a16="http://schemas.microsoft.com/office/drawing/2014/main" xmlns="" val="20000"/>
                     </a:ext>
                   </a:extLst>
                 </a:gridCol>
                 <a:gridCol w="1901957">
                   <a:extLst>
                     <a:ext uri="{9D8B030D-6E8A-4147-A177-3AD203B41FA5}">
-                      <a16:colId xmlns:a16="http://schemas.microsoft.com/office/drawing/2014/main" val="20001"/>
+                      <a16:colId xmlns:a16="http://schemas.microsoft.com/office/drawing/2014/main" xmlns="" val="20001"/>
                     </a:ext>
                   </a:extLst>
                 </a:gridCol>
                 <a:gridCol w="1336208">
                   <a:extLst>
                     <a:ext uri="{9D8B030D-6E8A-4147-A177-3AD203B41FA5}">
-                      <a16:colId xmlns:a16="http://schemas.microsoft.com/office/drawing/2014/main" val="20002"/>
+                      <a16:colId xmlns:a16="http://schemas.microsoft.com/office/drawing/2014/main" xmlns="" val="20002"/>
                     </a:ext>
                   </a:extLst>
                 </a:gridCol>
                 <a:gridCol w="1187423">
                   <a:extLst>
                     <a:ext uri="{9D8B030D-6E8A-4147-A177-3AD203B41FA5}">
-                      <a16:colId xmlns:a16="http://schemas.microsoft.com/office/drawing/2014/main" val="20003"/>
+                      <a16:colId xmlns:a16="http://schemas.microsoft.com/office/drawing/2014/main" xmlns="" val="20003"/>
                     </a:ext>
                   </a:extLst>
                 </a:gridCol>
                 <a:gridCol w="1042627">
                   <a:extLst>
                     <a:ext uri="{9D8B030D-6E8A-4147-A177-3AD203B41FA5}">
-                      <a16:colId xmlns:a16="http://schemas.microsoft.com/office/drawing/2014/main" val="20004"/>
+                      <a16:colId xmlns:a16="http://schemas.microsoft.com/office/drawing/2014/main" xmlns="" val="20004"/>
                     </a:ext>
                   </a:extLst>
                 </a:gridCol>
                 <a:gridCol w="1042627">
                   <a:extLst>
                     <a:ext uri="{9D8B030D-6E8A-4147-A177-3AD203B41FA5}">
-                      <a16:colId xmlns:a16="http://schemas.microsoft.com/office/drawing/2014/main" val="20005"/>
+                      <a16:colId xmlns:a16="http://schemas.microsoft.com/office/drawing/2014/main" xmlns="" val="20005"/>
                     </a:ext>
                   </a:extLst>
                 </a:gridCol>
                 <a:gridCol w="1180592">
                   <a:extLst>
                     <a:ext uri="{9D8B030D-6E8A-4147-A177-3AD203B41FA5}">
-                      <a16:colId xmlns:a16="http://schemas.microsoft.com/office/drawing/2014/main" val="20006"/>
+                      <a16:colId xmlns:a16="http://schemas.microsoft.com/office/drawing/2014/main" xmlns="" val="20006"/>
                     </a:ext>
                   </a:extLst>
                 </a:gridCol>
                 <a:gridCol w="1236132">
                   <a:extLst>
                     <a:ext uri="{9D8B030D-6E8A-4147-A177-3AD203B41FA5}">
-                      <a16:colId xmlns:a16="http://schemas.microsoft.com/office/drawing/2014/main" val="20007"/>
+                      <a16:colId xmlns:a16="http://schemas.microsoft.com/office/drawing/2014/main" xmlns="" val="20007"/>
                     </a:ext>
                   </a:extLst>
                 </a:gridCol>
@@ -5708,7 +5729,7 @@
                 </a:tc>
                 <a:extLst>
                   <a:ext uri="{0D108BD9-81ED-4DB2-BD59-A6C34878D82A}">
-                    <a16:rowId xmlns:a16="http://schemas.microsoft.com/office/drawing/2014/main" val="10000"/>
+                    <a16:rowId xmlns:a16="http://schemas.microsoft.com/office/drawing/2014/main" xmlns="" val="10000"/>
                   </a:ext>
                 </a:extLst>
               </a:tr>
@@ -5965,7 +5986,7 @@
                 </a:tc>
                 <a:extLst>
                   <a:ext uri="{0D108BD9-81ED-4DB2-BD59-A6C34878D82A}">
-                    <a16:rowId xmlns:a16="http://schemas.microsoft.com/office/drawing/2014/main" val="10001"/>
+                    <a16:rowId xmlns:a16="http://schemas.microsoft.com/office/drawing/2014/main" xmlns="" val="10001"/>
                   </a:ext>
                 </a:extLst>
               </a:tr>
@@ -6297,7 +6318,7 @@
                 </a:tc>
                 <a:extLst>
                   <a:ext uri="{0D108BD9-81ED-4DB2-BD59-A6C34878D82A}">
-                    <a16:rowId xmlns:a16="http://schemas.microsoft.com/office/drawing/2014/main" val="10002"/>
+                    <a16:rowId xmlns:a16="http://schemas.microsoft.com/office/drawing/2014/main" xmlns="" val="10002"/>
                   </a:ext>
                 </a:extLst>
               </a:tr>
@@ -6554,7 +6575,7 @@
                 </a:tc>
                 <a:extLst>
                   <a:ext uri="{0D108BD9-81ED-4DB2-BD59-A6C34878D82A}">
-                    <a16:rowId xmlns:a16="http://schemas.microsoft.com/office/drawing/2014/main" val="10003"/>
+                    <a16:rowId xmlns:a16="http://schemas.microsoft.com/office/drawing/2014/main" xmlns="" val="10003"/>
                   </a:ext>
                 </a:extLst>
               </a:tr>
@@ -6644,6 +6665,13 @@
   <p:clrMapOvr>
     <a:masterClrMapping/>
   </p:clrMapOvr>
+  <p:timing>
+    <p:tnLst>
+      <p:par>
+        <p:cTn id="1" dur="indefinite" restart="never" nodeType="tmRoot"/>
+      </p:par>
+    </p:tnLst>
+  </p:timing>
 </p:sld>
 </file>
 
@@ -6749,56 +6777,56 @@
                 <a:gridCol w="1367054">
                   <a:extLst>
                     <a:ext uri="{9D8B030D-6E8A-4147-A177-3AD203B41FA5}">
-                      <a16:colId xmlns:a16="http://schemas.microsoft.com/office/drawing/2014/main" val="20000"/>
+                      <a16:colId xmlns:a16="http://schemas.microsoft.com/office/drawing/2014/main" xmlns="" val="20000"/>
                     </a:ext>
                   </a:extLst>
                 </a:gridCol>
                 <a:gridCol w="1901957">
                   <a:extLst>
                     <a:ext uri="{9D8B030D-6E8A-4147-A177-3AD203B41FA5}">
-                      <a16:colId xmlns:a16="http://schemas.microsoft.com/office/drawing/2014/main" val="20001"/>
+                      <a16:colId xmlns:a16="http://schemas.microsoft.com/office/drawing/2014/main" xmlns="" val="20001"/>
                     </a:ext>
                   </a:extLst>
                 </a:gridCol>
                 <a:gridCol w="1336208">
                   <a:extLst>
                     <a:ext uri="{9D8B030D-6E8A-4147-A177-3AD203B41FA5}">
-                      <a16:colId xmlns:a16="http://schemas.microsoft.com/office/drawing/2014/main" val="20002"/>
+                      <a16:colId xmlns:a16="http://schemas.microsoft.com/office/drawing/2014/main" xmlns="" val="20002"/>
                     </a:ext>
                   </a:extLst>
                 </a:gridCol>
                 <a:gridCol w="1187423">
                   <a:extLst>
                     <a:ext uri="{9D8B030D-6E8A-4147-A177-3AD203B41FA5}">
-                      <a16:colId xmlns:a16="http://schemas.microsoft.com/office/drawing/2014/main" val="20003"/>
+                      <a16:colId xmlns:a16="http://schemas.microsoft.com/office/drawing/2014/main" xmlns="" val="20003"/>
                     </a:ext>
                   </a:extLst>
                 </a:gridCol>
                 <a:gridCol w="1042627">
                   <a:extLst>
                     <a:ext uri="{9D8B030D-6E8A-4147-A177-3AD203B41FA5}">
-                      <a16:colId xmlns:a16="http://schemas.microsoft.com/office/drawing/2014/main" val="20004"/>
+                      <a16:colId xmlns:a16="http://schemas.microsoft.com/office/drawing/2014/main" xmlns="" val="20004"/>
                     </a:ext>
                   </a:extLst>
                 </a:gridCol>
                 <a:gridCol w="1042627">
                   <a:extLst>
                     <a:ext uri="{9D8B030D-6E8A-4147-A177-3AD203B41FA5}">
-                      <a16:colId xmlns:a16="http://schemas.microsoft.com/office/drawing/2014/main" val="20005"/>
+                      <a16:colId xmlns:a16="http://schemas.microsoft.com/office/drawing/2014/main" xmlns="" val="20005"/>
                     </a:ext>
                   </a:extLst>
                 </a:gridCol>
                 <a:gridCol w="1180592">
                   <a:extLst>
                     <a:ext uri="{9D8B030D-6E8A-4147-A177-3AD203B41FA5}">
-                      <a16:colId xmlns:a16="http://schemas.microsoft.com/office/drawing/2014/main" val="20006"/>
+                      <a16:colId xmlns:a16="http://schemas.microsoft.com/office/drawing/2014/main" xmlns="" val="20006"/>
                     </a:ext>
                   </a:extLst>
                 </a:gridCol>
                 <a:gridCol w="1236132">
                   <a:extLst>
                     <a:ext uri="{9D8B030D-6E8A-4147-A177-3AD203B41FA5}">
-                      <a16:colId xmlns:a16="http://schemas.microsoft.com/office/drawing/2014/main" val="20007"/>
+                      <a16:colId xmlns:a16="http://schemas.microsoft.com/office/drawing/2014/main" xmlns="" val="20007"/>
                     </a:ext>
                   </a:extLst>
                 </a:gridCol>
@@ -7074,7 +7102,7 @@
                 </a:tc>
                 <a:extLst>
                   <a:ext uri="{0D108BD9-81ED-4DB2-BD59-A6C34878D82A}">
-                    <a16:rowId xmlns:a16="http://schemas.microsoft.com/office/drawing/2014/main" val="10000"/>
+                    <a16:rowId xmlns:a16="http://schemas.microsoft.com/office/drawing/2014/main" xmlns="" val="10000"/>
                   </a:ext>
                 </a:extLst>
               </a:tr>
@@ -7331,7 +7359,7 @@
                 </a:tc>
                 <a:extLst>
                   <a:ext uri="{0D108BD9-81ED-4DB2-BD59-A6C34878D82A}">
-                    <a16:rowId xmlns:a16="http://schemas.microsoft.com/office/drawing/2014/main" val="10001"/>
+                    <a16:rowId xmlns:a16="http://schemas.microsoft.com/office/drawing/2014/main" xmlns="" val="10001"/>
                   </a:ext>
                 </a:extLst>
               </a:tr>
@@ -7588,7 +7616,7 @@
                 </a:tc>
                 <a:extLst>
                   <a:ext uri="{0D108BD9-81ED-4DB2-BD59-A6C34878D82A}">
-                    <a16:rowId xmlns:a16="http://schemas.microsoft.com/office/drawing/2014/main" val="10002"/>
+                    <a16:rowId xmlns:a16="http://schemas.microsoft.com/office/drawing/2014/main" xmlns="" val="10002"/>
                   </a:ext>
                 </a:extLst>
               </a:tr>
@@ -7845,7 +7873,7 @@
                 </a:tc>
                 <a:extLst>
                   <a:ext uri="{0D108BD9-81ED-4DB2-BD59-A6C34878D82A}">
-                    <a16:rowId xmlns:a16="http://schemas.microsoft.com/office/drawing/2014/main" val="10003"/>
+                    <a16:rowId xmlns:a16="http://schemas.microsoft.com/office/drawing/2014/main" xmlns="" val="10003"/>
                   </a:ext>
                 </a:extLst>
               </a:tr>
@@ -8030,6 +8058,13 @@
   <p:clrMapOvr>
     <a:masterClrMapping/>
   </p:clrMapOvr>
+  <p:timing>
+    <p:tnLst>
+      <p:par>
+        <p:cTn id="1" dur="indefinite" restart="never" nodeType="tmRoot"/>
+      </p:par>
+    </p:tnLst>
+  </p:timing>
 </p:sld>
 </file>
 
@@ -8158,6 +8193,13 @@
   <p:clrMapOvr>
     <a:masterClrMapping/>
   </p:clrMapOvr>
+  <p:timing>
+    <p:tnLst>
+      <p:par>
+        <p:cTn id="1" dur="indefinite" restart="never" nodeType="tmRoot"/>
+      </p:par>
+    </p:tnLst>
+  </p:timing>
 </p:sld>
 </file>
 
@@ -8398,6 +8440,13 @@
   <p:clrMapOvr>
     <a:masterClrMapping/>
   </p:clrMapOvr>
+  <p:timing>
+    <p:tnLst>
+      <p:par>
+        <p:cTn id="1" dur="indefinite" restart="never" nodeType="tmRoot"/>
+      </p:par>
+    </p:tnLst>
+  </p:timing>
 </p:sld>
 </file>
 
@@ -8515,6 +8564,219 @@
               <a:t>Soccer Team</a:t>
             </a:r>
             <a:endParaRPr lang="de-DE" dirty="0"/>
+          </a:p>
+        </p:txBody>
+      </p:sp>
+      <p:sp>
+        <p:nvSpPr>
+          <p:cNvPr id="8" name="Espace réservé de la date 7"/>
+          <p:cNvSpPr>
+            <a:spLocks noGrp="1"/>
+          </p:cNvSpPr>
+          <p:nvPr>
+            <p:ph type="dt" sz="half" idx="10"/>
+          </p:nvPr>
+        </p:nvSpPr>
+        <p:spPr/>
+        <p:txBody>
+          <a:bodyPr/>
+          <a:lstStyle/>
+          <a:p>
+            <a:fld id="{834F26E3-E7BD-406B-B79A-96366F5B248A}" type="datetime4">
+              <a:rPr lang="de-DE" smtClean="0"/>
+              <a:t>26. Juni 2020</a:t>
+            </a:fld>
+            <a:endParaRPr lang="de-DE"/>
+          </a:p>
+        </p:txBody>
+      </p:sp>
+      <p:pic>
+        <p:nvPicPr>
+          <p:cNvPr id="4" name="Image 3"/>
+          <p:cNvPicPr>
+            <a:picLocks noChangeAspect="1"/>
+          </p:cNvPicPr>
+          <p:nvPr/>
+        </p:nvPicPr>
+        <p:blipFill>
+          <a:blip r:embed="rId3">
+            <a:extLst>
+              <a:ext uri="{28A0092B-C50C-407E-A947-70E740481C1C}">
+                <a14:useLocalDpi xmlns:a14="http://schemas.microsoft.com/office/drawing/2010/main" val="0"/>
+              </a:ext>
+            </a:extLst>
+          </a:blip>
+          <a:stretch>
+            <a:fillRect/>
+          </a:stretch>
+        </p:blipFill>
+        <p:spPr>
+          <a:xfrm>
+            <a:off x="1330960" y="1624299"/>
+            <a:ext cx="9474200" cy="4642358"/>
+          </a:xfrm>
+          <a:prstGeom prst="rect">
+            <a:avLst/>
+          </a:prstGeom>
+        </p:spPr>
+      </p:pic>
+    </p:spTree>
+    <p:extLst>
+      <p:ext uri="{BB962C8B-B14F-4D97-AF65-F5344CB8AC3E}">
+        <p14:creationId xmlns:p14="http://schemas.microsoft.com/office/powerpoint/2010/main" val="1368949562"/>
+      </p:ext>
+    </p:extLst>
+  </p:cSld>
+  <p:clrMapOvr>
+    <a:masterClrMapping/>
+  </p:clrMapOvr>
+  <p:timing>
+    <p:tnLst>
+      <p:par>
+        <p:cTn id="1" dur="indefinite" restart="never" nodeType="tmRoot"/>
+      </p:par>
+    </p:tnLst>
+  </p:timing>
+</p:sld>
+</file>
+
+<file path=ppt/slides/slide8.xml><?xml version="1.0" encoding="utf-8"?>
+<p:sld xmlns:a="http://schemas.openxmlformats.org/drawingml/2006/main" xmlns:r="http://schemas.openxmlformats.org/officeDocument/2006/relationships" xmlns:p="http://schemas.openxmlformats.org/presentationml/2006/main">
+  <p:cSld>
+    <p:spTree>
+      <p:nvGrpSpPr>
+        <p:cNvPr id="1" name=""/>
+        <p:cNvGrpSpPr/>
+        <p:nvPr/>
+      </p:nvGrpSpPr>
+      <p:grpSpPr>
+        <a:xfrm>
+          <a:off x="0" y="0"/>
+          <a:ext cx="0" cy="0"/>
+          <a:chOff x="0" y="0"/>
+          <a:chExt cx="0" cy="0"/>
+        </a:xfrm>
+      </p:grpSpPr>
+      <p:sp>
+        <p:nvSpPr>
+          <p:cNvPr id="2" name="Titre 1"/>
+          <p:cNvSpPr>
+            <a:spLocks noGrp="1"/>
+          </p:cNvSpPr>
+          <p:nvPr>
+            <p:ph type="title"/>
+          </p:nvPr>
+        </p:nvSpPr>
+        <p:spPr/>
+        <p:txBody>
+          <a:bodyPr/>
+          <a:lstStyle/>
+          <a:p>
+            <a:r>
+              <a:rPr lang="en-US" b="1" dirty="0"/>
+              <a:t>Product: Goals prediction</a:t>
+            </a:r>
+            <a:endParaRPr lang="en-US" sz="4300" b="1" dirty="0"/>
+          </a:p>
+        </p:txBody>
+      </p:sp>
+      <p:sp>
+        <p:nvSpPr>
+          <p:cNvPr id="3" name="Espace réservé du contenu 2"/>
+          <p:cNvSpPr>
+            <a:spLocks noGrp="1"/>
+          </p:cNvSpPr>
+          <p:nvPr>
+            <p:ph idx="1"/>
+          </p:nvPr>
+        </p:nvSpPr>
+        <p:spPr/>
+        <p:txBody>
+          <a:bodyPr>
+            <a:normAutofit/>
+          </a:bodyPr>
+          <a:lstStyle/>
+          <a:p>
+            <a:pPr marL="742950" lvl="1" indent="-285750">
+              <a:buClr>
+                <a:schemeClr val="accent1">
+                  <a:lumMod val="60000"/>
+                  <a:lumOff val="40000"/>
+                </a:schemeClr>
+              </a:buClr>
+              <a:buFont typeface="Arial" panose="020B0604020202020204" pitchFamily="34" charset="0"/>
+              <a:buChar char="►"/>
+            </a:pPr>
+            <a:endParaRPr lang="en-US" dirty="0"/>
+          </a:p>
+          <a:p>
+            <a:pPr marL="0" indent="0">
+              <a:buClr>
+                <a:schemeClr val="accent1">
+                  <a:lumMod val="75000"/>
+                </a:schemeClr>
+              </a:buClr>
+              <a:buNone/>
+            </a:pPr>
+            <a:endParaRPr lang="en-US" dirty="0"/>
+          </a:p>
+          <a:p>
+            <a:pPr marL="457200" lvl="1" indent="0">
+              <a:buClr>
+                <a:schemeClr val="accent1">
+                  <a:lumMod val="60000"/>
+                  <a:lumOff val="40000"/>
+                </a:schemeClr>
+              </a:buClr>
+              <a:buNone/>
+            </a:pPr>
+            <a:endParaRPr lang="en-US" dirty="0"/>
+          </a:p>
+        </p:txBody>
+      </p:sp>
+      <p:sp>
+        <p:nvSpPr>
+          <p:cNvPr id="5" name="Espace réservé du pied de page 4"/>
+          <p:cNvSpPr>
+            <a:spLocks noGrp="1"/>
+          </p:cNvSpPr>
+          <p:nvPr>
+            <p:ph type="ftr" sz="quarter" idx="11"/>
+          </p:nvPr>
+        </p:nvSpPr>
+        <p:spPr/>
+        <p:txBody>
+          <a:bodyPr/>
+          <a:lstStyle/>
+          <a:p>
+            <a:r>
+              <a:rPr lang="de-DE"/>
+              <a:t>Soccer Team</a:t>
+            </a:r>
+            <a:endParaRPr lang="de-DE" dirty="0"/>
+          </a:p>
+        </p:txBody>
+      </p:sp>
+      <p:sp>
+        <p:nvSpPr>
+          <p:cNvPr id="6" name="Espace réservé de la date 5"/>
+          <p:cNvSpPr>
+            <a:spLocks noGrp="1"/>
+          </p:cNvSpPr>
+          <p:nvPr>
+            <p:ph type="dt" sz="half" idx="10"/>
+          </p:nvPr>
+        </p:nvSpPr>
+        <p:spPr/>
+        <p:txBody>
+          <a:bodyPr/>
+          <a:lstStyle/>
+          <a:p>
+            <a:fld id="{3D28EDC4-4189-433A-B6A9-657D004D511F}" type="datetime4">
+              <a:rPr lang="de-DE" smtClean="0"/>
+              <a:t>26. Juni 2020</a:t>
+            </a:fld>
+            <a:endParaRPr lang="de-DE"/>
           </a:p>
         </p:txBody>
       </p:sp>
@@ -8540,220 +8802,14 @@
         </p:blipFill>
         <p:spPr>
           <a:xfrm>
-            <a:off x="1504504" y="1690688"/>
-            <a:ext cx="9182992" cy="4486275"/>
+            <a:off x="1346200" y="1617789"/>
+            <a:ext cx="9499600" cy="4648867"/>
           </a:xfrm>
           <a:prstGeom prst="rect">
             <a:avLst/>
           </a:prstGeom>
         </p:spPr>
       </p:pic>
-      <p:sp>
-        <p:nvSpPr>
-          <p:cNvPr id="8" name="Espace réservé de la date 7"/>
-          <p:cNvSpPr>
-            <a:spLocks noGrp="1"/>
-          </p:cNvSpPr>
-          <p:nvPr>
-            <p:ph type="dt" sz="half" idx="10"/>
-          </p:nvPr>
-        </p:nvSpPr>
-        <p:spPr/>
-        <p:txBody>
-          <a:bodyPr/>
-          <a:lstStyle/>
-          <a:p>
-            <a:fld id="{834F26E3-E7BD-406B-B79A-96366F5B248A}" type="datetime4">
-              <a:rPr lang="de-DE" smtClean="0"/>
-              <a:t>26. Juni 2020</a:t>
-            </a:fld>
-            <a:endParaRPr lang="de-DE"/>
-          </a:p>
-        </p:txBody>
-      </p:sp>
-    </p:spTree>
-    <p:extLst>
-      <p:ext uri="{BB962C8B-B14F-4D97-AF65-F5344CB8AC3E}">
-        <p14:creationId xmlns:p14="http://schemas.microsoft.com/office/powerpoint/2010/main" val="1368949562"/>
-      </p:ext>
-    </p:extLst>
-  </p:cSld>
-  <p:clrMapOvr>
-    <a:masterClrMapping/>
-  </p:clrMapOvr>
-</p:sld>
-</file>
-
-<file path=ppt/slides/slide8.xml><?xml version="1.0" encoding="utf-8"?>
-<p:sld xmlns:a="http://schemas.openxmlformats.org/drawingml/2006/main" xmlns:r="http://schemas.openxmlformats.org/officeDocument/2006/relationships" xmlns:p="http://schemas.openxmlformats.org/presentationml/2006/main">
-  <p:cSld>
-    <p:spTree>
-      <p:nvGrpSpPr>
-        <p:cNvPr id="1" name=""/>
-        <p:cNvGrpSpPr/>
-        <p:nvPr/>
-      </p:nvGrpSpPr>
-      <p:grpSpPr>
-        <a:xfrm>
-          <a:off x="0" y="0"/>
-          <a:ext cx="0" cy="0"/>
-          <a:chOff x="0" y="0"/>
-          <a:chExt cx="0" cy="0"/>
-        </a:xfrm>
-      </p:grpSpPr>
-      <p:sp>
-        <p:nvSpPr>
-          <p:cNvPr id="2" name="Titre 1"/>
-          <p:cNvSpPr>
-            <a:spLocks noGrp="1"/>
-          </p:cNvSpPr>
-          <p:nvPr>
-            <p:ph type="title"/>
-          </p:nvPr>
-        </p:nvSpPr>
-        <p:spPr/>
-        <p:txBody>
-          <a:bodyPr/>
-          <a:lstStyle/>
-          <a:p>
-            <a:r>
-              <a:rPr lang="en-US" b="1" dirty="0"/>
-              <a:t>Product: Goals prediction</a:t>
-            </a:r>
-            <a:endParaRPr lang="en-US" sz="4300" b="1" dirty="0"/>
-          </a:p>
-        </p:txBody>
-      </p:sp>
-      <p:sp>
-        <p:nvSpPr>
-          <p:cNvPr id="3" name="Espace réservé du contenu 2"/>
-          <p:cNvSpPr>
-            <a:spLocks noGrp="1"/>
-          </p:cNvSpPr>
-          <p:nvPr>
-            <p:ph idx="1"/>
-          </p:nvPr>
-        </p:nvSpPr>
-        <p:spPr/>
-        <p:txBody>
-          <a:bodyPr>
-            <a:normAutofit/>
-          </a:bodyPr>
-          <a:lstStyle/>
-          <a:p>
-            <a:pPr marL="742950" lvl="1" indent="-285750">
-              <a:buClr>
-                <a:schemeClr val="accent1">
-                  <a:lumMod val="60000"/>
-                  <a:lumOff val="40000"/>
-                </a:schemeClr>
-              </a:buClr>
-              <a:buFont typeface="Arial" panose="020B0604020202020204" pitchFamily="34" charset="0"/>
-              <a:buChar char="►"/>
-            </a:pPr>
-            <a:endParaRPr lang="en-US" dirty="0"/>
-          </a:p>
-          <a:p>
-            <a:pPr marL="0" indent="0">
-              <a:buClr>
-                <a:schemeClr val="accent1">
-                  <a:lumMod val="75000"/>
-                </a:schemeClr>
-              </a:buClr>
-              <a:buNone/>
-            </a:pPr>
-            <a:endParaRPr lang="en-US" dirty="0"/>
-          </a:p>
-          <a:p>
-            <a:pPr marL="457200" lvl="1" indent="0">
-              <a:buClr>
-                <a:schemeClr val="accent1">
-                  <a:lumMod val="60000"/>
-                  <a:lumOff val="40000"/>
-                </a:schemeClr>
-              </a:buClr>
-              <a:buNone/>
-            </a:pPr>
-            <a:endParaRPr lang="en-US" dirty="0"/>
-          </a:p>
-        </p:txBody>
-      </p:sp>
-      <p:sp>
-        <p:nvSpPr>
-          <p:cNvPr id="5" name="Espace réservé du pied de page 4"/>
-          <p:cNvSpPr>
-            <a:spLocks noGrp="1"/>
-          </p:cNvSpPr>
-          <p:nvPr>
-            <p:ph type="ftr" sz="quarter" idx="11"/>
-          </p:nvPr>
-        </p:nvSpPr>
-        <p:spPr/>
-        <p:txBody>
-          <a:bodyPr/>
-          <a:lstStyle/>
-          <a:p>
-            <a:r>
-              <a:rPr lang="de-DE"/>
-              <a:t>Soccer Team</a:t>
-            </a:r>
-            <a:endParaRPr lang="de-DE" dirty="0"/>
-          </a:p>
-        </p:txBody>
-      </p:sp>
-      <p:pic>
-        <p:nvPicPr>
-          <p:cNvPr id="4" name="Image 3"/>
-          <p:cNvPicPr>
-            <a:picLocks noChangeAspect="1"/>
-          </p:cNvPicPr>
-          <p:nvPr/>
-        </p:nvPicPr>
-        <p:blipFill>
-          <a:blip r:embed="rId3">
-            <a:extLst>
-              <a:ext uri="{28A0092B-C50C-407E-A947-70E740481C1C}">
-                <a14:useLocalDpi xmlns:a14="http://schemas.microsoft.com/office/drawing/2010/main" val="0"/>
-              </a:ext>
-            </a:extLst>
-          </a:blip>
-          <a:stretch>
-            <a:fillRect/>
-          </a:stretch>
-        </p:blipFill>
-        <p:spPr>
-          <a:xfrm>
-            <a:off x="1502636" y="1690688"/>
-            <a:ext cx="9186728" cy="4528598"/>
-          </a:xfrm>
-          <a:prstGeom prst="rect">
-            <a:avLst/>
-          </a:prstGeom>
-        </p:spPr>
-      </p:pic>
-      <p:sp>
-        <p:nvSpPr>
-          <p:cNvPr id="6" name="Espace réservé de la date 5"/>
-          <p:cNvSpPr>
-            <a:spLocks noGrp="1"/>
-          </p:cNvSpPr>
-          <p:nvPr>
-            <p:ph type="dt" sz="half" idx="10"/>
-          </p:nvPr>
-        </p:nvSpPr>
-        <p:spPr/>
-        <p:txBody>
-          <a:bodyPr/>
-          <a:lstStyle/>
-          <a:p>
-            <a:fld id="{3D28EDC4-4189-433A-B6A9-657D004D511F}" type="datetime4">
-              <a:rPr lang="de-DE" smtClean="0"/>
-              <a:t>26. Juni 2020</a:t>
-            </a:fld>
-            <a:endParaRPr lang="de-DE"/>
-          </a:p>
-        </p:txBody>
-      </p:sp>
     </p:spTree>
     <p:extLst>
       <p:ext uri="{BB962C8B-B14F-4D97-AF65-F5344CB8AC3E}">
@@ -8764,6 +8820,13 @@
   <p:clrMapOvr>
     <a:masterClrMapping/>
   </p:clrMapOvr>
+  <p:timing>
+    <p:tnLst>
+      <p:par>
+        <p:cTn id="1" dur="indefinite" restart="never" nodeType="tmRoot"/>
+      </p:par>
+    </p:tnLst>
+  </p:timing>
 </p:sld>
 </file>
 
@@ -8789,7 +8852,7 @@
           <p:cNvPr id="2" name="Title 1">
             <a:extLst>
               <a:ext uri="{FF2B5EF4-FFF2-40B4-BE49-F238E27FC236}">
-                <a16:creationId xmlns:a16="http://schemas.microsoft.com/office/drawing/2014/main" id="{BA353684-FF9F-40E7-B5D1-6ED12F55A5A3}"/>
+                <a16:creationId xmlns:a16="http://schemas.microsoft.com/office/drawing/2014/main" xmlns="" id="{BA353684-FF9F-40E7-B5D1-6ED12F55A5A3}"/>
               </a:ext>
             </a:extLst>
           </p:cNvPr>
@@ -8809,7 +8872,7 @@
               <a:rPr lang="en-US" b="1" dirty="0"/>
               <a:t>New Actions</a:t>
             </a:r>
-            <a:endParaRPr lang="en-DE" b="1" dirty="0"/>
+            <a:endParaRPr lang="aa-ET" b="1" dirty="0"/>
           </a:p>
         </p:txBody>
       </p:sp>
@@ -8818,7 +8881,7 @@
           <p:cNvPr id="3" name="Content Placeholder 2">
             <a:extLst>
               <a:ext uri="{FF2B5EF4-FFF2-40B4-BE49-F238E27FC236}">
-                <a16:creationId xmlns:a16="http://schemas.microsoft.com/office/drawing/2014/main" id="{29E39A31-E92A-4B14-A10B-B6FF5785808F}"/>
+                <a16:creationId xmlns:a16="http://schemas.microsoft.com/office/drawing/2014/main" xmlns="" id="{29E39A31-E92A-4B14-A10B-B6FF5785808F}"/>
               </a:ext>
             </a:extLst>
           </p:cNvPr>
@@ -8908,7 +8971,7 @@
           </a:p>
           <a:p>
             <a:pPr lvl="1"/>
-            <a:endParaRPr lang="en-DE" dirty="0"/>
+            <a:endParaRPr lang="aa-ET" dirty="0"/>
           </a:p>
         </p:txBody>
       </p:sp>
@@ -8917,7 +8980,7 @@
           <p:cNvPr id="4" name="Date Placeholder 3">
             <a:extLst>
               <a:ext uri="{FF2B5EF4-FFF2-40B4-BE49-F238E27FC236}">
-                <a16:creationId xmlns:a16="http://schemas.microsoft.com/office/drawing/2014/main" id="{38863172-3392-47E2-9E8D-4B6F90897EC5}"/>
+                <a16:creationId xmlns:a16="http://schemas.microsoft.com/office/drawing/2014/main" xmlns="" id="{38863172-3392-47E2-9E8D-4B6F90897EC5}"/>
               </a:ext>
             </a:extLst>
           </p:cNvPr>
@@ -8946,7 +9009,7 @@
           <p:cNvPr id="5" name="Footer Placeholder 4">
             <a:extLst>
               <a:ext uri="{FF2B5EF4-FFF2-40B4-BE49-F238E27FC236}">
-                <a16:creationId xmlns:a16="http://schemas.microsoft.com/office/drawing/2014/main" id="{746B6795-D2EB-4428-AEBD-4B0041CF4794}"/>
+                <a16:creationId xmlns:a16="http://schemas.microsoft.com/office/drawing/2014/main" xmlns="" id="{746B6795-D2EB-4428-AEBD-4B0041CF4794}"/>
               </a:ext>
             </a:extLst>
           </p:cNvPr>
@@ -8980,6 +9043,13 @@
   <p:clrMapOvr>
     <a:masterClrMapping/>
   </p:clrMapOvr>
+  <p:timing>
+    <p:tnLst>
+      <p:par>
+        <p:cTn id="1" dur="indefinite" restart="never" nodeType="tmRoot"/>
+      </p:par>
+    </p:tnLst>
+  </p:timing>
 </p:sld>
 </file>
 
